--- a/Mid-term Project.pptx
+++ b/Mid-term Project.pptx
@@ -19,23 +19,25 @@
     <p:sldId id="264" r:id="rId14"/>
     <p:sldId id="265" r:id="rId15"/>
     <p:sldId id="266" r:id="rId16"/>
+    <p:sldId id="267" r:id="rId17"/>
+    <p:sldId id="268" r:id="rId18"/>
   </p:sldIdLst>
   <p:sldSz cy="5143500" cx="9144000"/>
   <p:notesSz cx="6858000" cy="9144000"/>
   <p:embeddedFontLst>
     <p:embeddedFont>
       <p:font typeface="Raleway"/>
-      <p:regular r:id="rId17"/>
-      <p:bold r:id="rId18"/>
-      <p:italic r:id="rId19"/>
-      <p:boldItalic r:id="rId20"/>
+      <p:regular r:id="rId19"/>
+      <p:bold r:id="rId20"/>
+      <p:italic r:id="rId21"/>
+      <p:boldItalic r:id="rId22"/>
     </p:embeddedFont>
     <p:embeddedFont>
       <p:font typeface="Lato"/>
-      <p:regular r:id="rId21"/>
-      <p:bold r:id="rId22"/>
-      <p:italic r:id="rId23"/>
-      <p:boldItalic r:id="rId24"/>
+      <p:regular r:id="rId23"/>
+      <p:bold r:id="rId24"/>
+      <p:italic r:id="rId25"/>
+      <p:boldItalic r:id="rId26"/>
     </p:embeddedFont>
   </p:embeddedFontLst>
   <p:defaultTextStyle>
@@ -816,7 +818,7 @@
   <p:cSld>
     <p:spTree>
       <p:nvGrpSpPr>
-        <p:cNvPr id="142" name="Shape 142"/>
+        <p:cNvPr id="146" name="Shape 146"/>
         <p:cNvGrpSpPr/>
         <p:nvPr/>
       </p:nvGrpSpPr>
@@ -830,7 +832,7 @@
       </p:grpSpPr>
       <p:sp>
         <p:nvSpPr>
-          <p:cNvPr id="143" name="Google Shape;143;g33f84f724df_0_137:notes"/>
+          <p:cNvPr id="147" name="Google Shape;147;g33f84f724df_0_23:notes"/>
           <p:cNvSpPr/>
           <p:nvPr>
             <p:ph idx="2" type="sldImg"/>
@@ -865,7 +867,7 @@
       </p:sp>
       <p:sp>
         <p:nvSpPr>
-          <p:cNvPr id="144" name="Google Shape;144;g33f84f724df_0_137:notes"/>
+          <p:cNvPr id="148" name="Google Shape;148;g33f84f724df_0_23:notes"/>
           <p:cNvSpPr txBox="1"/>
           <p:nvPr>
             <p:ph idx="1" type="body"/>
@@ -915,7 +917,7 @@
   <p:cSld>
     <p:spTree>
       <p:nvGrpSpPr>
-        <p:cNvPr id="148" name="Shape 148"/>
+        <p:cNvPr id="152" name="Shape 152"/>
         <p:cNvGrpSpPr/>
         <p:nvPr/>
       </p:nvGrpSpPr>
@@ -929,7 +931,7 @@
       </p:grpSpPr>
       <p:sp>
         <p:nvSpPr>
-          <p:cNvPr id="149" name="Google Shape;149;g33f84f724df_0_144:notes"/>
+          <p:cNvPr id="153" name="Google Shape;153;g33f84f724df_0_127:notes"/>
           <p:cNvSpPr/>
           <p:nvPr>
             <p:ph idx="2" type="sldImg"/>
@@ -964,7 +966,7 @@
       </p:sp>
       <p:sp>
         <p:nvSpPr>
-          <p:cNvPr id="150" name="Google Shape;150;g33f84f724df_0_144:notes"/>
+          <p:cNvPr id="154" name="Google Shape;154;g33f84f724df_0_127:notes"/>
           <p:cNvSpPr txBox="1"/>
           <p:nvPr>
             <p:ph idx="1" type="body"/>
@@ -1009,12 +1011,12 @@
 </p:notes>
 </file>
 
-<file path=ppt/notesSlides/notesSlide2.xml><?xml version="1.0" encoding="utf-8"?>
+<file path=ppt/notesSlides/notesSlide12.xml><?xml version="1.0" encoding="utf-8"?>
 <p:notes xmlns:a="http://schemas.openxmlformats.org/drawingml/2006/main" xmlns:r="http://schemas.openxmlformats.org/officeDocument/2006/relationships" xmlns:mc="http://schemas.openxmlformats.org/markup-compatibility/2006" xmlns:mv="urn:schemas-microsoft-com:mac:vml" xmlns:p="http://schemas.openxmlformats.org/presentationml/2006/main" xmlns:c="http://schemas.openxmlformats.org/drawingml/2006/chart" xmlns:dgm="http://schemas.openxmlformats.org/drawingml/2006/diagram" xmlns:o="urn:schemas-microsoft-com:office:office" xmlns:v="urn:schemas-microsoft-com:vml" xmlns:pvml="urn:schemas-microsoft-com:office:powerpoint" xmlns:com="http://schemas.openxmlformats.org/drawingml/2006/compatibility" xmlns:p14="http://schemas.microsoft.com/office/powerpoint/2010/main" xmlns:p15="http://schemas.microsoft.com/office/powerpoint/2012/main" xmlns:ahyp="http://schemas.microsoft.com/office/drawing/2018/hyperlinkcolor" showMasterPhAnim="0" showMasterSp="0">
   <p:cSld>
     <p:spTree>
       <p:nvGrpSpPr>
-        <p:cNvPr id="88" name="Shape 88"/>
+        <p:cNvPr id="161" name="Shape 161"/>
         <p:cNvGrpSpPr/>
         <p:nvPr/>
       </p:nvGrpSpPr>
@@ -1028,7 +1030,7 @@
       </p:grpSpPr>
       <p:sp>
         <p:nvSpPr>
-          <p:cNvPr id="89" name="Google Shape;89;g33f84f724df_0_0:notes"/>
+          <p:cNvPr id="162" name="Google Shape;162;g33f84f724df_0_137:notes"/>
           <p:cNvSpPr/>
           <p:nvPr>
             <p:ph idx="2" type="sldImg"/>
@@ -1063,7 +1065,7 @@
       </p:sp>
       <p:sp>
         <p:nvSpPr>
-          <p:cNvPr id="90" name="Google Shape;90;g33f84f724df_0_0:notes"/>
+          <p:cNvPr id="163" name="Google Shape;163;g33f84f724df_0_137:notes"/>
           <p:cNvSpPr txBox="1"/>
           <p:nvPr>
             <p:ph idx="1" type="body"/>
@@ -1108,12 +1110,12 @@
 </p:notes>
 </file>
 
-<file path=ppt/notesSlides/notesSlide3.xml><?xml version="1.0" encoding="utf-8"?>
+<file path=ppt/notesSlides/notesSlide13.xml><?xml version="1.0" encoding="utf-8"?>
 <p:notes xmlns:a="http://schemas.openxmlformats.org/drawingml/2006/main" xmlns:r="http://schemas.openxmlformats.org/officeDocument/2006/relationships" xmlns:mc="http://schemas.openxmlformats.org/markup-compatibility/2006" xmlns:mv="urn:schemas-microsoft-com:mac:vml" xmlns:p="http://schemas.openxmlformats.org/presentationml/2006/main" xmlns:c="http://schemas.openxmlformats.org/drawingml/2006/chart" xmlns:dgm="http://schemas.openxmlformats.org/drawingml/2006/diagram" xmlns:o="urn:schemas-microsoft-com:office:office" xmlns:v="urn:schemas-microsoft-com:vml" xmlns:pvml="urn:schemas-microsoft-com:office:powerpoint" xmlns:com="http://schemas.openxmlformats.org/drawingml/2006/compatibility" xmlns:p14="http://schemas.microsoft.com/office/powerpoint/2010/main" xmlns:p15="http://schemas.microsoft.com/office/powerpoint/2012/main" xmlns:ahyp="http://schemas.microsoft.com/office/drawing/2018/hyperlinkcolor" showMasterPhAnim="0" showMasterSp="0">
   <p:cSld>
     <p:spTree>
       <p:nvGrpSpPr>
-        <p:cNvPr id="94" name="Shape 94"/>
+        <p:cNvPr id="167" name="Shape 167"/>
         <p:cNvGrpSpPr/>
         <p:nvPr/>
       </p:nvGrpSpPr>
@@ -1127,7 +1129,7 @@
       </p:grpSpPr>
       <p:sp>
         <p:nvSpPr>
-          <p:cNvPr id="95" name="Google Shape;95;g33f84f724df_0_5:notes"/>
+          <p:cNvPr id="168" name="Google Shape;168;g33f84f724df_0_144:notes"/>
           <p:cNvSpPr/>
           <p:nvPr>
             <p:ph idx="2" type="sldImg"/>
@@ -1162,7 +1164,7 @@
       </p:sp>
       <p:sp>
         <p:nvSpPr>
-          <p:cNvPr id="96" name="Google Shape;96;g33f84f724df_0_5:notes"/>
+          <p:cNvPr id="169" name="Google Shape;169;g33f84f724df_0_144:notes"/>
           <p:cNvSpPr txBox="1"/>
           <p:nvPr>
             <p:ph idx="1" type="body"/>
@@ -1207,12 +1209,12 @@
 </p:notes>
 </file>
 
-<file path=ppt/notesSlides/notesSlide4.xml><?xml version="1.0" encoding="utf-8"?>
+<file path=ppt/notesSlides/notesSlide2.xml><?xml version="1.0" encoding="utf-8"?>
 <p:notes xmlns:a="http://schemas.openxmlformats.org/drawingml/2006/main" xmlns:r="http://schemas.openxmlformats.org/officeDocument/2006/relationships" xmlns:mc="http://schemas.openxmlformats.org/markup-compatibility/2006" xmlns:mv="urn:schemas-microsoft-com:mac:vml" xmlns:p="http://schemas.openxmlformats.org/presentationml/2006/main" xmlns:c="http://schemas.openxmlformats.org/drawingml/2006/chart" xmlns:dgm="http://schemas.openxmlformats.org/drawingml/2006/diagram" xmlns:o="urn:schemas-microsoft-com:office:office" xmlns:v="urn:schemas-microsoft-com:vml" xmlns:pvml="urn:schemas-microsoft-com:office:powerpoint" xmlns:com="http://schemas.openxmlformats.org/drawingml/2006/compatibility" xmlns:p14="http://schemas.microsoft.com/office/powerpoint/2010/main" xmlns:p15="http://schemas.microsoft.com/office/powerpoint/2012/main" xmlns:ahyp="http://schemas.microsoft.com/office/drawing/2018/hyperlinkcolor" showMasterPhAnim="0" showMasterSp="0">
   <p:cSld>
     <p:spTree>
       <p:nvGrpSpPr>
-        <p:cNvPr id="101" name="Shape 101"/>
+        <p:cNvPr id="89" name="Shape 89"/>
         <p:cNvGrpSpPr/>
         <p:nvPr/>
       </p:nvGrpSpPr>
@@ -1226,7 +1228,7 @@
       </p:grpSpPr>
       <p:sp>
         <p:nvSpPr>
-          <p:cNvPr id="102" name="Google Shape;102;g33f84f724df_0_111:notes"/>
+          <p:cNvPr id="90" name="Google Shape;90;g33f84f724df_0_0:notes"/>
           <p:cNvSpPr/>
           <p:nvPr>
             <p:ph idx="2" type="sldImg"/>
@@ -1261,7 +1263,7 @@
       </p:sp>
       <p:sp>
         <p:nvSpPr>
-          <p:cNvPr id="103" name="Google Shape;103;g33f84f724df_0_111:notes"/>
+          <p:cNvPr id="91" name="Google Shape;91;g33f84f724df_0_0:notes"/>
           <p:cNvSpPr txBox="1"/>
           <p:nvPr>
             <p:ph idx="1" type="body"/>
@@ -1306,12 +1308,12 @@
 </p:notes>
 </file>
 
-<file path=ppt/notesSlides/notesSlide5.xml><?xml version="1.0" encoding="utf-8"?>
+<file path=ppt/notesSlides/notesSlide3.xml><?xml version="1.0" encoding="utf-8"?>
 <p:notes xmlns:a="http://schemas.openxmlformats.org/drawingml/2006/main" xmlns:r="http://schemas.openxmlformats.org/officeDocument/2006/relationships" xmlns:mc="http://schemas.openxmlformats.org/markup-compatibility/2006" xmlns:mv="urn:schemas-microsoft-com:mac:vml" xmlns:p="http://schemas.openxmlformats.org/presentationml/2006/main" xmlns:c="http://schemas.openxmlformats.org/drawingml/2006/chart" xmlns:dgm="http://schemas.openxmlformats.org/drawingml/2006/diagram" xmlns:o="urn:schemas-microsoft-com:office:office" xmlns:v="urn:schemas-microsoft-com:vml" xmlns:pvml="urn:schemas-microsoft-com:office:powerpoint" xmlns:com="http://schemas.openxmlformats.org/drawingml/2006/compatibility" xmlns:p14="http://schemas.microsoft.com/office/powerpoint/2010/main" xmlns:p15="http://schemas.microsoft.com/office/powerpoint/2012/main" xmlns:ahyp="http://schemas.microsoft.com/office/drawing/2018/hyperlinkcolor" showMasterPhAnim="0" showMasterSp="0">
   <p:cSld>
     <p:spTree>
       <p:nvGrpSpPr>
-        <p:cNvPr id="108" name="Shape 108"/>
+        <p:cNvPr id="96" name="Shape 96"/>
         <p:cNvGrpSpPr/>
         <p:nvPr/>
       </p:nvGrpSpPr>
@@ -1325,7 +1327,7 @@
       </p:grpSpPr>
       <p:sp>
         <p:nvSpPr>
-          <p:cNvPr id="109" name="Google Shape;109;g33f84f724df_0_11:notes"/>
+          <p:cNvPr id="97" name="Google Shape;97;g33f84f724df_0_167:notes"/>
           <p:cNvSpPr/>
           <p:nvPr>
             <p:ph idx="2" type="sldImg"/>
@@ -1360,7 +1362,7 @@
       </p:sp>
       <p:sp>
         <p:nvSpPr>
-          <p:cNvPr id="110" name="Google Shape;110;g33f84f724df_0_11:notes"/>
+          <p:cNvPr id="98" name="Google Shape;98;g33f84f724df_0_167:notes"/>
           <p:cNvSpPr txBox="1"/>
           <p:nvPr>
             <p:ph idx="1" type="body"/>
@@ -1405,12 +1407,12 @@
 </p:notes>
 </file>
 
-<file path=ppt/notesSlides/notesSlide6.xml><?xml version="1.0" encoding="utf-8"?>
+<file path=ppt/notesSlides/notesSlide4.xml><?xml version="1.0" encoding="utf-8"?>
 <p:notes xmlns:a="http://schemas.openxmlformats.org/drawingml/2006/main" xmlns:r="http://schemas.openxmlformats.org/officeDocument/2006/relationships" xmlns:mc="http://schemas.openxmlformats.org/markup-compatibility/2006" xmlns:mv="urn:schemas-microsoft-com:mac:vml" xmlns:p="http://schemas.openxmlformats.org/presentationml/2006/main" xmlns:c="http://schemas.openxmlformats.org/drawingml/2006/chart" xmlns:dgm="http://schemas.openxmlformats.org/drawingml/2006/diagram" xmlns:o="urn:schemas-microsoft-com:office:office" xmlns:v="urn:schemas-microsoft-com:vml" xmlns:pvml="urn:schemas-microsoft-com:office:powerpoint" xmlns:com="http://schemas.openxmlformats.org/drawingml/2006/compatibility" xmlns:p14="http://schemas.microsoft.com/office/powerpoint/2010/main" xmlns:p15="http://schemas.microsoft.com/office/powerpoint/2012/main" xmlns:ahyp="http://schemas.microsoft.com/office/drawing/2018/hyperlinkcolor" showMasterPhAnim="0" showMasterSp="0">
   <p:cSld>
     <p:spTree>
       <p:nvGrpSpPr>
-        <p:cNvPr id="115" name="Shape 115"/>
+        <p:cNvPr id="105" name="Shape 105"/>
         <p:cNvGrpSpPr/>
         <p:nvPr/>
       </p:nvGrpSpPr>
@@ -1424,7 +1426,7 @@
       </p:grpSpPr>
       <p:sp>
         <p:nvSpPr>
-          <p:cNvPr id="116" name="Google Shape;116;g33f84f724df_0_120:notes"/>
+          <p:cNvPr id="106" name="Google Shape;106;g33f84f724df_0_177:notes"/>
           <p:cNvSpPr/>
           <p:nvPr>
             <p:ph idx="2" type="sldImg"/>
@@ -1459,7 +1461,7 @@
       </p:sp>
       <p:sp>
         <p:nvSpPr>
-          <p:cNvPr id="117" name="Google Shape;117;g33f84f724df_0_120:notes"/>
+          <p:cNvPr id="107" name="Google Shape;107;g33f84f724df_0_177:notes"/>
           <p:cNvSpPr txBox="1"/>
           <p:nvPr>
             <p:ph idx="1" type="body"/>
@@ -1504,12 +1506,12 @@
 </p:notes>
 </file>
 
-<file path=ppt/notesSlides/notesSlide7.xml><?xml version="1.0" encoding="utf-8"?>
+<file path=ppt/notesSlides/notesSlide5.xml><?xml version="1.0" encoding="utf-8"?>
 <p:notes xmlns:a="http://schemas.openxmlformats.org/drawingml/2006/main" xmlns:r="http://schemas.openxmlformats.org/officeDocument/2006/relationships" xmlns:mc="http://schemas.openxmlformats.org/markup-compatibility/2006" xmlns:mv="urn:schemas-microsoft-com:mac:vml" xmlns:p="http://schemas.openxmlformats.org/presentationml/2006/main" xmlns:c="http://schemas.openxmlformats.org/drawingml/2006/chart" xmlns:dgm="http://schemas.openxmlformats.org/drawingml/2006/diagram" xmlns:o="urn:schemas-microsoft-com:office:office" xmlns:v="urn:schemas-microsoft-com:vml" xmlns:pvml="urn:schemas-microsoft-com:office:powerpoint" xmlns:com="http://schemas.openxmlformats.org/drawingml/2006/compatibility" xmlns:p14="http://schemas.microsoft.com/office/powerpoint/2010/main" xmlns:p15="http://schemas.microsoft.com/office/powerpoint/2012/main" xmlns:ahyp="http://schemas.microsoft.com/office/drawing/2018/hyperlinkcolor" showMasterPhAnim="0" showMasterSp="0">
   <p:cSld>
     <p:spTree>
       <p:nvGrpSpPr>
-        <p:cNvPr id="122" name="Shape 122"/>
+        <p:cNvPr id="111" name="Shape 111"/>
         <p:cNvGrpSpPr/>
         <p:nvPr/>
       </p:nvGrpSpPr>
@@ -1523,7 +1525,7 @@
       </p:grpSpPr>
       <p:sp>
         <p:nvSpPr>
-          <p:cNvPr id="123" name="Google Shape;123;g33f84f724df_0_17:notes"/>
+          <p:cNvPr id="112" name="Google Shape;112;g33f84f724df_0_5:notes"/>
           <p:cNvSpPr/>
           <p:nvPr>
             <p:ph idx="2" type="sldImg"/>
@@ -1558,7 +1560,7 @@
       </p:sp>
       <p:sp>
         <p:nvSpPr>
-          <p:cNvPr id="124" name="Google Shape;124;g33f84f724df_0_17:notes"/>
+          <p:cNvPr id="113" name="Google Shape;113;g33f84f724df_0_5:notes"/>
           <p:cNvSpPr txBox="1"/>
           <p:nvPr>
             <p:ph idx="1" type="body"/>
@@ -1603,12 +1605,12 @@
 </p:notes>
 </file>
 
-<file path=ppt/notesSlides/notesSlide8.xml><?xml version="1.0" encoding="utf-8"?>
+<file path=ppt/notesSlides/notesSlide6.xml><?xml version="1.0" encoding="utf-8"?>
 <p:notes xmlns:a="http://schemas.openxmlformats.org/drawingml/2006/main" xmlns:r="http://schemas.openxmlformats.org/officeDocument/2006/relationships" xmlns:mc="http://schemas.openxmlformats.org/markup-compatibility/2006" xmlns:mv="urn:schemas-microsoft-com:mac:vml" xmlns:p="http://schemas.openxmlformats.org/presentationml/2006/main" xmlns:c="http://schemas.openxmlformats.org/drawingml/2006/chart" xmlns:dgm="http://schemas.openxmlformats.org/drawingml/2006/diagram" xmlns:o="urn:schemas-microsoft-com:office:office" xmlns:v="urn:schemas-microsoft-com:vml" xmlns:pvml="urn:schemas-microsoft-com:office:powerpoint" xmlns:com="http://schemas.openxmlformats.org/drawingml/2006/compatibility" xmlns:p14="http://schemas.microsoft.com/office/powerpoint/2010/main" xmlns:p15="http://schemas.microsoft.com/office/powerpoint/2012/main" xmlns:ahyp="http://schemas.microsoft.com/office/drawing/2018/hyperlinkcolor" showMasterPhAnim="0" showMasterSp="0">
   <p:cSld>
     <p:spTree>
       <p:nvGrpSpPr>
-        <p:cNvPr id="129" name="Shape 129"/>
+        <p:cNvPr id="118" name="Shape 118"/>
         <p:cNvGrpSpPr/>
         <p:nvPr/>
       </p:nvGrpSpPr>
@@ -1622,7 +1624,7 @@
       </p:grpSpPr>
       <p:sp>
         <p:nvSpPr>
-          <p:cNvPr id="130" name="Google Shape;130;g33f84f724df_0_23:notes"/>
+          <p:cNvPr id="119" name="Google Shape;119;g33f84f724df_0_11:notes"/>
           <p:cNvSpPr/>
           <p:nvPr>
             <p:ph idx="2" type="sldImg"/>
@@ -1657,7 +1659,7 @@
       </p:sp>
       <p:sp>
         <p:nvSpPr>
-          <p:cNvPr id="131" name="Google Shape;131;g33f84f724df_0_23:notes"/>
+          <p:cNvPr id="120" name="Google Shape;120;g33f84f724df_0_11:notes"/>
           <p:cNvSpPr txBox="1"/>
           <p:nvPr>
             <p:ph idx="1" type="body"/>
@@ -1702,12 +1704,12 @@
 </p:notes>
 </file>
 
-<file path=ppt/notesSlides/notesSlide9.xml><?xml version="1.0" encoding="utf-8"?>
+<file path=ppt/notesSlides/notesSlide7.xml><?xml version="1.0" encoding="utf-8"?>
 <p:notes xmlns:a="http://schemas.openxmlformats.org/drawingml/2006/main" xmlns:r="http://schemas.openxmlformats.org/officeDocument/2006/relationships" xmlns:mc="http://schemas.openxmlformats.org/markup-compatibility/2006" xmlns:mv="urn:schemas-microsoft-com:mac:vml" xmlns:p="http://schemas.openxmlformats.org/presentationml/2006/main" xmlns:c="http://schemas.openxmlformats.org/drawingml/2006/chart" xmlns:dgm="http://schemas.openxmlformats.org/drawingml/2006/diagram" xmlns:o="urn:schemas-microsoft-com:office:office" xmlns:v="urn:schemas-microsoft-com:vml" xmlns:pvml="urn:schemas-microsoft-com:office:powerpoint" xmlns:com="http://schemas.openxmlformats.org/drawingml/2006/compatibility" xmlns:p14="http://schemas.microsoft.com/office/powerpoint/2010/main" xmlns:p15="http://schemas.microsoft.com/office/powerpoint/2012/main" xmlns:ahyp="http://schemas.microsoft.com/office/drawing/2018/hyperlinkcolor" showMasterPhAnim="0" showMasterSp="0">
   <p:cSld>
     <p:spTree>
       <p:nvGrpSpPr>
-        <p:cNvPr id="135" name="Shape 135"/>
+        <p:cNvPr id="125" name="Shape 125"/>
         <p:cNvGrpSpPr/>
         <p:nvPr/>
       </p:nvGrpSpPr>
@@ -1721,7 +1723,7 @@
       </p:grpSpPr>
       <p:sp>
         <p:nvSpPr>
-          <p:cNvPr id="136" name="Google Shape;136;g33f84f724df_0_127:notes"/>
+          <p:cNvPr id="126" name="Google Shape;126;g33f84f724df_0_111:notes"/>
           <p:cNvSpPr/>
           <p:nvPr>
             <p:ph idx="2" type="sldImg"/>
@@ -1756,7 +1758,205 @@
       </p:sp>
       <p:sp>
         <p:nvSpPr>
-          <p:cNvPr id="137" name="Google Shape;137;g33f84f724df_0_127:notes"/>
+          <p:cNvPr id="127" name="Google Shape;127;g33f84f724df_0_111:notes"/>
+          <p:cNvSpPr txBox="1"/>
+          <p:nvPr>
+            <p:ph idx="1" type="body"/>
+          </p:nvPr>
+        </p:nvSpPr>
+        <p:spPr>
+          <a:xfrm>
+            <a:off x="685800" y="4343400"/>
+            <a:ext cx="5486400" cy="4114800"/>
+          </a:xfrm>
+          <a:prstGeom prst="rect">
+            <a:avLst/>
+          </a:prstGeom>
+        </p:spPr>
+        <p:txBody>
+          <a:bodyPr anchorCtr="0" anchor="t" bIns="91425" lIns="91425" spcFirstLastPara="1" rIns="91425" wrap="square" tIns="91425">
+            <a:noAutofit/>
+          </a:bodyPr>
+          <a:lstStyle/>
+          <a:p>
+            <a:pPr indent="0" lvl="0" marL="0" rtl="0" algn="l">
+              <a:spcBef>
+                <a:spcPts val="0"/>
+              </a:spcBef>
+              <a:spcAft>
+                <a:spcPts val="0"/>
+              </a:spcAft>
+              <a:buNone/>
+            </a:pPr>
+            <a:r>
+              <a:t/>
+            </a:r>
+            <a:endParaRPr/>
+          </a:p>
+        </p:txBody>
+      </p:sp>
+    </p:spTree>
+  </p:cSld>
+  <p:clrMapOvr>
+    <a:masterClrMapping/>
+  </p:clrMapOvr>
+</p:notes>
+</file>
+
+<file path=ppt/notesSlides/notesSlide8.xml><?xml version="1.0" encoding="utf-8"?>
+<p:notes xmlns:a="http://schemas.openxmlformats.org/drawingml/2006/main" xmlns:r="http://schemas.openxmlformats.org/officeDocument/2006/relationships" xmlns:mc="http://schemas.openxmlformats.org/markup-compatibility/2006" xmlns:mv="urn:schemas-microsoft-com:mac:vml" xmlns:p="http://schemas.openxmlformats.org/presentationml/2006/main" xmlns:c="http://schemas.openxmlformats.org/drawingml/2006/chart" xmlns:dgm="http://schemas.openxmlformats.org/drawingml/2006/diagram" xmlns:o="urn:schemas-microsoft-com:office:office" xmlns:v="urn:schemas-microsoft-com:vml" xmlns:pvml="urn:schemas-microsoft-com:office:powerpoint" xmlns:com="http://schemas.openxmlformats.org/drawingml/2006/compatibility" xmlns:p14="http://schemas.microsoft.com/office/powerpoint/2010/main" xmlns:p15="http://schemas.microsoft.com/office/powerpoint/2012/main" xmlns:ahyp="http://schemas.microsoft.com/office/drawing/2018/hyperlinkcolor" showMasterPhAnim="0" showMasterSp="0">
+  <p:cSld>
+    <p:spTree>
+      <p:nvGrpSpPr>
+        <p:cNvPr id="132" name="Shape 132"/>
+        <p:cNvGrpSpPr/>
+        <p:nvPr/>
+      </p:nvGrpSpPr>
+      <p:grpSpPr>
+        <a:xfrm>
+          <a:off x="0" y="0"/>
+          <a:ext cx="0" cy="0"/>
+          <a:chOff x="0" y="0"/>
+          <a:chExt cx="0" cy="0"/>
+        </a:xfrm>
+      </p:grpSpPr>
+      <p:sp>
+        <p:nvSpPr>
+          <p:cNvPr id="133" name="Google Shape;133;g33f84f724df_0_120:notes"/>
+          <p:cNvSpPr/>
+          <p:nvPr>
+            <p:ph idx="2" type="sldImg"/>
+          </p:nvPr>
+        </p:nvSpPr>
+        <p:spPr>
+          <a:xfrm>
+            <a:off x="381300" y="685800"/>
+            <a:ext cx="6096000" cy="3429000"/>
+          </a:xfrm>
+          <a:custGeom>
+            <a:rect b="b" l="l" r="r" t="t"/>
+            <a:pathLst>
+              <a:path extrusionOk="0" h="120000" w="120000">
+                <a:moveTo>
+                  <a:pt x="0" y="0"/>
+                </a:moveTo>
+                <a:lnTo>
+                  <a:pt x="120000" y="0"/>
+                </a:lnTo>
+                <a:lnTo>
+                  <a:pt x="120000" y="120000"/>
+                </a:lnTo>
+                <a:lnTo>
+                  <a:pt x="0" y="120000"/>
+                </a:lnTo>
+                <a:close/>
+              </a:path>
+            </a:pathLst>
+          </a:custGeom>
+        </p:spPr>
+      </p:sp>
+      <p:sp>
+        <p:nvSpPr>
+          <p:cNvPr id="134" name="Google Shape;134;g33f84f724df_0_120:notes"/>
+          <p:cNvSpPr txBox="1"/>
+          <p:nvPr>
+            <p:ph idx="1" type="body"/>
+          </p:nvPr>
+        </p:nvSpPr>
+        <p:spPr>
+          <a:xfrm>
+            <a:off x="685800" y="4343400"/>
+            <a:ext cx="5486400" cy="4114800"/>
+          </a:xfrm>
+          <a:prstGeom prst="rect">
+            <a:avLst/>
+          </a:prstGeom>
+        </p:spPr>
+        <p:txBody>
+          <a:bodyPr anchorCtr="0" anchor="t" bIns="91425" lIns="91425" spcFirstLastPara="1" rIns="91425" wrap="square" tIns="91425">
+            <a:noAutofit/>
+          </a:bodyPr>
+          <a:lstStyle/>
+          <a:p>
+            <a:pPr indent="0" lvl="0" marL="0" rtl="0" algn="l">
+              <a:spcBef>
+                <a:spcPts val="0"/>
+              </a:spcBef>
+              <a:spcAft>
+                <a:spcPts val="0"/>
+              </a:spcAft>
+              <a:buNone/>
+            </a:pPr>
+            <a:r>
+              <a:t/>
+            </a:r>
+            <a:endParaRPr/>
+          </a:p>
+        </p:txBody>
+      </p:sp>
+    </p:spTree>
+  </p:cSld>
+  <p:clrMapOvr>
+    <a:masterClrMapping/>
+  </p:clrMapOvr>
+</p:notes>
+</file>
+
+<file path=ppt/notesSlides/notesSlide9.xml><?xml version="1.0" encoding="utf-8"?>
+<p:notes xmlns:a="http://schemas.openxmlformats.org/drawingml/2006/main" xmlns:r="http://schemas.openxmlformats.org/officeDocument/2006/relationships" xmlns:mc="http://schemas.openxmlformats.org/markup-compatibility/2006" xmlns:mv="urn:schemas-microsoft-com:mac:vml" xmlns:p="http://schemas.openxmlformats.org/presentationml/2006/main" xmlns:c="http://schemas.openxmlformats.org/drawingml/2006/chart" xmlns:dgm="http://schemas.openxmlformats.org/drawingml/2006/diagram" xmlns:o="urn:schemas-microsoft-com:office:office" xmlns:v="urn:schemas-microsoft-com:vml" xmlns:pvml="urn:schemas-microsoft-com:office:powerpoint" xmlns:com="http://schemas.openxmlformats.org/drawingml/2006/compatibility" xmlns:p14="http://schemas.microsoft.com/office/powerpoint/2010/main" xmlns:p15="http://schemas.microsoft.com/office/powerpoint/2012/main" xmlns:ahyp="http://schemas.microsoft.com/office/drawing/2018/hyperlinkcolor" showMasterPhAnim="0" showMasterSp="0">
+  <p:cSld>
+    <p:spTree>
+      <p:nvGrpSpPr>
+        <p:cNvPr id="139" name="Shape 139"/>
+        <p:cNvGrpSpPr/>
+        <p:nvPr/>
+      </p:nvGrpSpPr>
+      <p:grpSpPr>
+        <a:xfrm>
+          <a:off x="0" y="0"/>
+          <a:ext cx="0" cy="0"/>
+          <a:chOff x="0" y="0"/>
+          <a:chExt cx="0" cy="0"/>
+        </a:xfrm>
+      </p:grpSpPr>
+      <p:sp>
+        <p:nvSpPr>
+          <p:cNvPr id="140" name="Google Shape;140;g33f84f724df_0_17:notes"/>
+          <p:cNvSpPr/>
+          <p:nvPr>
+            <p:ph idx="2" type="sldImg"/>
+          </p:nvPr>
+        </p:nvSpPr>
+        <p:spPr>
+          <a:xfrm>
+            <a:off x="381300" y="685800"/>
+            <a:ext cx="6096000" cy="3429000"/>
+          </a:xfrm>
+          <a:custGeom>
+            <a:rect b="b" l="l" r="r" t="t"/>
+            <a:pathLst>
+              <a:path extrusionOk="0" h="120000" w="120000">
+                <a:moveTo>
+                  <a:pt x="0" y="0"/>
+                </a:moveTo>
+                <a:lnTo>
+                  <a:pt x="120000" y="0"/>
+                </a:lnTo>
+                <a:lnTo>
+                  <a:pt x="120000" y="120000"/>
+                </a:lnTo>
+                <a:lnTo>
+                  <a:pt x="0" y="120000"/>
+                </a:lnTo>
+                <a:close/>
+              </a:path>
+            </a:pathLst>
+          </a:custGeom>
+        </p:spPr>
+      </p:sp>
+      <p:sp>
+        <p:nvSpPr>
+          <p:cNvPr id="141" name="Google Shape;141;g33f84f724df_0_17:notes"/>
           <p:cNvSpPr txBox="1"/>
           <p:nvPr>
             <p:ph idx="1" type="body"/>
@@ -8189,6 +8389,64 @@
           </a:p>
         </p:txBody>
       </p:sp>
+      <p:sp>
+        <p:nvSpPr>
+          <p:cNvPr id="88" name="Google Shape;88;p13"/>
+          <p:cNvSpPr txBox="1"/>
+          <p:nvPr/>
+        </p:nvSpPr>
+        <p:spPr>
+          <a:xfrm>
+            <a:off x="765150" y="3791725"/>
+            <a:ext cx="4896900" cy="384900"/>
+          </a:xfrm>
+          <a:prstGeom prst="rect">
+            <a:avLst/>
+          </a:prstGeom>
+          <a:noFill/>
+          <a:ln>
+            <a:noFill/>
+          </a:ln>
+        </p:spPr>
+        <p:txBody>
+          <a:bodyPr anchorCtr="0" anchor="t" bIns="91425" lIns="91425" spcFirstLastPara="1" rIns="91425" wrap="square" tIns="91425">
+            <a:spAutoFit/>
+          </a:bodyPr>
+          <a:lstStyle/>
+          <a:p>
+            <a:pPr indent="0" lvl="0" marL="0" rtl="0" algn="l">
+              <a:spcBef>
+                <a:spcPts val="0"/>
+              </a:spcBef>
+              <a:spcAft>
+                <a:spcPts val="0"/>
+              </a:spcAft>
+              <a:buNone/>
+            </a:pPr>
+            <a:r>
+              <a:rPr lang="en-GB" sz="1300">
+                <a:solidFill>
+                  <a:schemeClr val="accent1"/>
+                </a:solidFill>
+                <a:latin typeface="Lato"/>
+                <a:ea typeface="Lato"/>
+                <a:cs typeface="Lato"/>
+                <a:sym typeface="Lato"/>
+              </a:rPr>
+              <a:t>Siddharth Dumbre</a:t>
+            </a:r>
+            <a:endParaRPr sz="1300">
+              <a:solidFill>
+                <a:schemeClr val="accent1"/>
+              </a:solidFill>
+              <a:latin typeface="Lato"/>
+              <a:ea typeface="Lato"/>
+              <a:cs typeface="Lato"/>
+              <a:sym typeface="Lato"/>
+            </a:endParaRPr>
+          </a:p>
+        </p:txBody>
+      </p:sp>
     </p:spTree>
   </p:cSld>
   <p:clrMapOvr>
@@ -8202,7 +8460,7 @@
   <p:cSld>
     <p:spTree>
       <p:nvGrpSpPr>
-        <p:cNvPr id="145" name="Shape 145"/>
+        <p:cNvPr id="149" name="Shape 149"/>
         <p:cNvGrpSpPr/>
         <p:nvPr/>
       </p:nvGrpSpPr>
@@ -8216,7 +8474,490 @@
       </p:grpSpPr>
       <p:sp>
         <p:nvSpPr>
-          <p:cNvPr id="146" name="Google Shape;146;p22"/>
+          <p:cNvPr id="150" name="Google Shape;150;p22"/>
+          <p:cNvSpPr txBox="1"/>
+          <p:nvPr>
+            <p:ph type="title"/>
+          </p:nvPr>
+        </p:nvSpPr>
+        <p:spPr>
+          <a:xfrm>
+            <a:off x="729450" y="1318650"/>
+            <a:ext cx="7688700" cy="535200"/>
+          </a:xfrm>
+          <a:prstGeom prst="rect">
+            <a:avLst/>
+          </a:prstGeom>
+        </p:spPr>
+        <p:txBody>
+          <a:bodyPr anchorCtr="0" anchor="t" bIns="91425" lIns="91425" spcFirstLastPara="1" rIns="91425" wrap="square" tIns="91425">
+            <a:noAutofit/>
+          </a:bodyPr>
+          <a:lstStyle/>
+          <a:p>
+            <a:pPr indent="0" lvl="0" marL="0" rtl="0" algn="l">
+              <a:lnSpc>
+                <a:spcPct val="115000"/>
+              </a:lnSpc>
+              <a:spcBef>
+                <a:spcPts val="1200"/>
+              </a:spcBef>
+              <a:spcAft>
+                <a:spcPts val="0"/>
+              </a:spcAft>
+              <a:buNone/>
+            </a:pPr>
+            <a:r>
+              <a:rPr lang="en-GB" sz="1300">
+                <a:solidFill>
+                  <a:schemeClr val="dk1"/>
+                </a:solidFill>
+                <a:latin typeface="Arial"/>
+                <a:ea typeface="Arial"/>
+                <a:cs typeface="Arial"/>
+                <a:sym typeface="Arial"/>
+              </a:rPr>
+              <a:t>Results (DeepSeek vs. LLaMA Post-Fine-Tuning)</a:t>
+            </a:r>
+            <a:endParaRPr sz="1300">
+              <a:solidFill>
+                <a:schemeClr val="dk1"/>
+              </a:solidFill>
+              <a:latin typeface="Arial"/>
+              <a:ea typeface="Arial"/>
+              <a:cs typeface="Arial"/>
+              <a:sym typeface="Arial"/>
+            </a:endParaRPr>
+          </a:p>
+          <a:p>
+            <a:pPr indent="0" lvl="0" marL="0" rtl="0" algn="l">
+              <a:spcBef>
+                <a:spcPts val="1200"/>
+              </a:spcBef>
+              <a:spcAft>
+                <a:spcPts val="0"/>
+              </a:spcAft>
+              <a:buNone/>
+            </a:pPr>
+            <a:r>
+              <a:t/>
+            </a:r>
+            <a:endParaRPr sz="1300">
+              <a:solidFill>
+                <a:schemeClr val="dk1"/>
+              </a:solidFill>
+            </a:endParaRPr>
+          </a:p>
+        </p:txBody>
+      </p:sp>
+      <p:sp>
+        <p:nvSpPr>
+          <p:cNvPr id="151" name="Google Shape;151;p22"/>
+          <p:cNvSpPr txBox="1"/>
+          <p:nvPr>
+            <p:ph idx="1" type="body"/>
+          </p:nvPr>
+        </p:nvSpPr>
+        <p:spPr>
+          <a:xfrm>
+            <a:off x="729450" y="2078875"/>
+            <a:ext cx="7688700" cy="2261100"/>
+          </a:xfrm>
+          <a:prstGeom prst="rect">
+            <a:avLst/>
+          </a:prstGeom>
+        </p:spPr>
+        <p:txBody>
+          <a:bodyPr anchorCtr="0" anchor="t" bIns="91425" lIns="91425" spcFirstLastPara="1" rIns="91425" wrap="square" tIns="91425">
+            <a:normAutofit/>
+          </a:bodyPr>
+          <a:lstStyle/>
+          <a:p>
+            <a:pPr indent="0" lvl="0" marL="0" rtl="0" algn="l">
+              <a:spcBef>
+                <a:spcPts val="0"/>
+              </a:spcBef>
+              <a:spcAft>
+                <a:spcPts val="0"/>
+              </a:spcAft>
+              <a:buNone/>
+            </a:pPr>
+            <a:r>
+              <a:rPr b="1" lang="en-GB"/>
+              <a:t>Common Query: </a:t>
+            </a:r>
+            <a:r>
+              <a:rPr lang="en-GB"/>
+              <a:t>Which habitats have seen a decrease in preservation efforts from 2017 to 2018?</a:t>
+            </a:r>
+            <a:endParaRPr/>
+          </a:p>
+          <a:p>
+            <a:pPr indent="0" lvl="0" marL="0" rtl="0" algn="l">
+              <a:spcBef>
+                <a:spcPts val="1200"/>
+              </a:spcBef>
+              <a:spcAft>
+                <a:spcPts val="0"/>
+              </a:spcAft>
+              <a:buNone/>
+            </a:pPr>
+            <a:r>
+              <a:rPr b="1" lang="en-GB"/>
+              <a:t>LLama Response:</a:t>
+            </a:r>
+            <a:r>
+              <a:rPr lang="en-GB"/>
+              <a:t> </a:t>
+            </a:r>
+            <a:r>
+              <a:rPr lang="en-GB" sz="1000"/>
+              <a:t>SELECT Habitat, Year, Efforts FROM PreservationTrends WHERE Efforts &lt; (SELECT SUM(Efforts) FROM PreservationTrends WHERE Year = 2018);</a:t>
+            </a:r>
+            <a:endParaRPr sz="1000"/>
+          </a:p>
+          <a:p>
+            <a:pPr indent="0" lvl="0" marL="0" rtl="0" algn="l">
+              <a:spcBef>
+                <a:spcPts val="1200"/>
+              </a:spcBef>
+              <a:spcAft>
+                <a:spcPts val="1200"/>
+              </a:spcAft>
+              <a:buNone/>
+            </a:pPr>
+            <a:r>
+              <a:rPr b="1" lang="en-GB"/>
+              <a:t>DeepSeek Response: </a:t>
+            </a:r>
+            <a:r>
+              <a:rPr lang="en-GB" sz="1000"/>
+              <a:t>SELECT Habitat FROM PreservationTrends WHERE Year = 2017 AND Efforts &lt; (SELECT SUM(Efforts) FROM PreservationTrends WHERE Year = 2018 AND Habitat = Habitat);</a:t>
+            </a:r>
+            <a:endParaRPr sz="1000"/>
+          </a:p>
+        </p:txBody>
+      </p:sp>
+    </p:spTree>
+  </p:cSld>
+  <p:clrMapOvr>
+    <a:masterClrMapping/>
+  </p:clrMapOvr>
+</p:sld>
+</file>
+
+<file path=ppt/slides/slide11.xml><?xml version="1.0" encoding="utf-8"?>
+<p:sld xmlns:a="http://schemas.openxmlformats.org/drawingml/2006/main" xmlns:r="http://schemas.openxmlformats.org/officeDocument/2006/relationships" xmlns:mc="http://schemas.openxmlformats.org/markup-compatibility/2006" xmlns:mv="urn:schemas-microsoft-com:mac:vml" xmlns:p="http://schemas.openxmlformats.org/presentationml/2006/main" xmlns:c="http://schemas.openxmlformats.org/drawingml/2006/chart" xmlns:dgm="http://schemas.openxmlformats.org/drawingml/2006/diagram" xmlns:o="urn:schemas-microsoft-com:office:office" xmlns:v="urn:schemas-microsoft-com:vml" xmlns:pvml="urn:schemas-microsoft-com:office:powerpoint" xmlns:com="http://schemas.openxmlformats.org/drawingml/2006/compatibility" xmlns:p14="http://schemas.microsoft.com/office/powerpoint/2010/main" xmlns:p15="http://schemas.microsoft.com/office/powerpoint/2012/main" xmlns:ahyp="http://schemas.microsoft.com/office/drawing/2018/hyperlinkcolor">
+  <p:cSld>
+    <p:spTree>
+      <p:nvGrpSpPr>
+        <p:cNvPr id="155" name="Shape 155"/>
+        <p:cNvGrpSpPr/>
+        <p:nvPr/>
+      </p:nvGrpSpPr>
+      <p:grpSpPr>
+        <a:xfrm>
+          <a:off x="0" y="0"/>
+          <a:ext cx="0" cy="0"/>
+          <a:chOff x="0" y="0"/>
+          <a:chExt cx="0" cy="0"/>
+        </a:xfrm>
+      </p:grpSpPr>
+      <p:sp>
+        <p:nvSpPr>
+          <p:cNvPr id="156" name="Google Shape;156;p23"/>
+          <p:cNvSpPr txBox="1"/>
+          <p:nvPr>
+            <p:ph type="title"/>
+          </p:nvPr>
+        </p:nvSpPr>
+        <p:spPr>
+          <a:xfrm>
+            <a:off x="729450" y="1318650"/>
+            <a:ext cx="7688700" cy="535200"/>
+          </a:xfrm>
+          <a:prstGeom prst="rect">
+            <a:avLst/>
+          </a:prstGeom>
+        </p:spPr>
+        <p:txBody>
+          <a:bodyPr anchorCtr="0" anchor="t" bIns="91425" lIns="91425" spcFirstLastPara="1" rIns="91425" wrap="square" tIns="91425">
+            <a:normAutofit fontScale="90000"/>
+          </a:bodyPr>
+          <a:lstStyle/>
+          <a:p>
+            <a:pPr indent="0" lvl="0" marL="0" rtl="0" algn="l">
+              <a:spcBef>
+                <a:spcPts val="0"/>
+              </a:spcBef>
+              <a:spcAft>
+                <a:spcPts val="0"/>
+              </a:spcAft>
+              <a:buNone/>
+            </a:pPr>
+            <a:r>
+              <a:rPr lang="en-GB">
+                <a:solidFill>
+                  <a:schemeClr val="dk1"/>
+                </a:solidFill>
+                <a:highlight>
+                  <a:schemeClr val="lt1"/>
+                </a:highlight>
+              </a:rPr>
+              <a:t>Observations</a:t>
+            </a:r>
+            <a:endParaRPr>
+              <a:solidFill>
+                <a:schemeClr val="dk1"/>
+              </a:solidFill>
+              <a:highlight>
+                <a:schemeClr val="lt1"/>
+              </a:highlight>
+            </a:endParaRPr>
+          </a:p>
+        </p:txBody>
+      </p:sp>
+      <p:sp>
+        <p:nvSpPr>
+          <p:cNvPr id="157" name="Google Shape;157;p23"/>
+          <p:cNvSpPr txBox="1"/>
+          <p:nvPr>
+            <p:ph idx="1" type="body"/>
+          </p:nvPr>
+        </p:nvSpPr>
+        <p:spPr>
+          <a:xfrm>
+            <a:off x="652950" y="1815325"/>
+            <a:ext cx="7688700" cy="2261100"/>
+          </a:xfrm>
+          <a:prstGeom prst="rect">
+            <a:avLst/>
+          </a:prstGeom>
+        </p:spPr>
+        <p:txBody>
+          <a:bodyPr anchorCtr="0" anchor="t" bIns="91425" lIns="91425" spcFirstLastPara="1" rIns="91425" wrap="square" tIns="91425">
+            <a:normAutofit/>
+          </a:bodyPr>
+          <a:lstStyle/>
+          <a:p>
+            <a:pPr indent="0" lvl="0" marL="0" rtl="0" algn="l">
+              <a:spcBef>
+                <a:spcPts val="0"/>
+              </a:spcBef>
+              <a:spcAft>
+                <a:spcPts val="0"/>
+              </a:spcAft>
+              <a:buNone/>
+            </a:pPr>
+            <a:r>
+              <a:rPr lang="en-GB">
+                <a:solidFill>
+                  <a:schemeClr val="dk2"/>
+                </a:solidFill>
+                <a:latin typeface="Raleway"/>
+                <a:ea typeface="Raleway"/>
+                <a:cs typeface="Raleway"/>
+                <a:sym typeface="Raleway"/>
+              </a:rPr>
+              <a:t>Deepseek provides an optimized and efficient queries involving multiple tables </a:t>
+            </a:r>
+            <a:endParaRPr>
+              <a:solidFill>
+                <a:schemeClr val="dk2"/>
+              </a:solidFill>
+              <a:latin typeface="Raleway"/>
+              <a:ea typeface="Raleway"/>
+              <a:cs typeface="Raleway"/>
+              <a:sym typeface="Raleway"/>
+            </a:endParaRPr>
+          </a:p>
+          <a:p>
+            <a:pPr indent="0" lvl="0" marL="0" rtl="0" algn="l">
+              <a:spcBef>
+                <a:spcPts val="1200"/>
+              </a:spcBef>
+              <a:spcAft>
+                <a:spcPts val="1200"/>
+              </a:spcAft>
+              <a:buNone/>
+            </a:pPr>
+            <a:r>
+              <a:rPr lang="en-GB">
+                <a:solidFill>
+                  <a:schemeClr val="dk2"/>
+                </a:solidFill>
+                <a:latin typeface="Raleway"/>
+                <a:ea typeface="Raleway"/>
+                <a:cs typeface="Raleway"/>
+                <a:sym typeface="Raleway"/>
+              </a:rPr>
+              <a:t>Instruction:</a:t>
+            </a:r>
+            <a:r>
+              <a:rPr lang="en-GB" sz="1050">
+                <a:solidFill>
+                  <a:schemeClr val="dk2"/>
+                </a:solidFill>
+                <a:latin typeface="Raleway"/>
+                <a:ea typeface="Raleway"/>
+                <a:cs typeface="Raleway"/>
+                <a:sym typeface="Raleway"/>
+              </a:rPr>
+              <a:t>: Write a SQL query to find all employees who have been with the company for more than 5 years and have a salary above the department average.</a:t>
+            </a:r>
+            <a:endParaRPr>
+              <a:solidFill>
+                <a:schemeClr val="dk2"/>
+              </a:solidFill>
+              <a:latin typeface="Raleway"/>
+              <a:ea typeface="Raleway"/>
+              <a:cs typeface="Raleway"/>
+              <a:sym typeface="Raleway"/>
+            </a:endParaRPr>
+          </a:p>
+        </p:txBody>
+      </p:sp>
+      <p:pic>
+        <p:nvPicPr>
+          <p:cNvPr id="158" name="Google Shape;158;p23" title="Screenshot 2025-03-12 at 12.55.12 PM.png"/>
+          <p:cNvPicPr preferRelativeResize="0"/>
+          <p:nvPr/>
+        </p:nvPicPr>
+        <p:blipFill rotWithShape="1">
+          <a:blip r:embed="rId3">
+            <a:alphaModFix/>
+          </a:blip>
+          <a:srcRect b="15239" l="0" r="0" t="0"/>
+          <a:stretch/>
+        </p:blipFill>
+        <p:spPr>
+          <a:xfrm>
+            <a:off x="577650" y="2814126"/>
+            <a:ext cx="4371026" cy="1438175"/>
+          </a:xfrm>
+          <a:prstGeom prst="rect">
+            <a:avLst/>
+          </a:prstGeom>
+          <a:noFill/>
+          <a:ln>
+            <a:noFill/>
+          </a:ln>
+        </p:spPr>
+      </p:pic>
+      <p:sp>
+        <p:nvSpPr>
+          <p:cNvPr id="159" name="Google Shape;159;p23"/>
+          <p:cNvSpPr txBox="1"/>
+          <p:nvPr/>
+        </p:nvSpPr>
+        <p:spPr>
+          <a:xfrm>
+            <a:off x="2669500" y="4395350"/>
+            <a:ext cx="2839500" cy="384900"/>
+          </a:xfrm>
+          <a:prstGeom prst="rect">
+            <a:avLst/>
+          </a:prstGeom>
+          <a:noFill/>
+          <a:ln>
+            <a:noFill/>
+          </a:ln>
+        </p:spPr>
+        <p:txBody>
+          <a:bodyPr anchorCtr="0" anchor="t" bIns="91425" lIns="91425" spcFirstLastPara="1" rIns="91425" wrap="square" tIns="91425">
+            <a:spAutoFit/>
+          </a:bodyPr>
+          <a:lstStyle/>
+          <a:p>
+            <a:pPr indent="0" lvl="0" marL="0" rtl="0" algn="ctr">
+              <a:spcBef>
+                <a:spcPts val="0"/>
+              </a:spcBef>
+              <a:spcAft>
+                <a:spcPts val="0"/>
+              </a:spcAft>
+              <a:buNone/>
+            </a:pPr>
+            <a:r>
+              <a:rPr lang="en-GB" sz="1300">
+                <a:solidFill>
+                  <a:schemeClr val="accent1"/>
+                </a:solidFill>
+                <a:latin typeface="Lato"/>
+                <a:ea typeface="Lato"/>
+                <a:cs typeface="Lato"/>
+                <a:sym typeface="Lato"/>
+              </a:rPr>
+              <a:t>Correct Joins and Group BYs</a:t>
+            </a:r>
+            <a:endParaRPr sz="1300">
+              <a:solidFill>
+                <a:schemeClr val="accent1"/>
+              </a:solidFill>
+              <a:latin typeface="Lato"/>
+              <a:ea typeface="Lato"/>
+              <a:cs typeface="Lato"/>
+              <a:sym typeface="Lato"/>
+            </a:endParaRPr>
+          </a:p>
+        </p:txBody>
+      </p:sp>
+      <p:pic>
+        <p:nvPicPr>
+          <p:cNvPr id="160" name="Google Shape;160;p23"/>
+          <p:cNvPicPr preferRelativeResize="0"/>
+          <p:nvPr/>
+        </p:nvPicPr>
+        <p:blipFill>
+          <a:blip r:embed="rId4">
+            <a:alphaModFix/>
+          </a:blip>
+          <a:stretch>
+            <a:fillRect/>
+          </a:stretch>
+        </p:blipFill>
+        <p:spPr>
+          <a:xfrm>
+            <a:off x="5201738" y="2814113"/>
+            <a:ext cx="3316938" cy="1482150"/>
+          </a:xfrm>
+          <a:prstGeom prst="rect">
+            <a:avLst/>
+          </a:prstGeom>
+          <a:noFill/>
+          <a:ln>
+            <a:noFill/>
+          </a:ln>
+        </p:spPr>
+      </p:pic>
+    </p:spTree>
+  </p:cSld>
+  <p:clrMapOvr>
+    <a:masterClrMapping/>
+  </p:clrMapOvr>
+</p:sld>
+</file>
+
+<file path=ppt/slides/slide12.xml><?xml version="1.0" encoding="utf-8"?>
+<p:sld xmlns:a="http://schemas.openxmlformats.org/drawingml/2006/main" xmlns:r="http://schemas.openxmlformats.org/officeDocument/2006/relationships" xmlns:mc="http://schemas.openxmlformats.org/markup-compatibility/2006" xmlns:mv="urn:schemas-microsoft-com:mac:vml" xmlns:p="http://schemas.openxmlformats.org/presentationml/2006/main" xmlns:c="http://schemas.openxmlformats.org/drawingml/2006/chart" xmlns:dgm="http://schemas.openxmlformats.org/drawingml/2006/diagram" xmlns:o="urn:schemas-microsoft-com:office:office" xmlns:v="urn:schemas-microsoft-com:vml" xmlns:pvml="urn:schemas-microsoft-com:office:powerpoint" xmlns:com="http://schemas.openxmlformats.org/drawingml/2006/compatibility" xmlns:p14="http://schemas.microsoft.com/office/powerpoint/2010/main" xmlns:p15="http://schemas.microsoft.com/office/powerpoint/2012/main" xmlns:ahyp="http://schemas.microsoft.com/office/drawing/2018/hyperlinkcolor">
+  <p:cSld>
+    <p:spTree>
+      <p:nvGrpSpPr>
+        <p:cNvPr id="164" name="Shape 164"/>
+        <p:cNvGrpSpPr/>
+        <p:nvPr/>
+      </p:nvGrpSpPr>
+      <p:grpSpPr>
+        <a:xfrm>
+          <a:off x="0" y="0"/>
+          <a:ext cx="0" cy="0"/>
+          <a:chOff x="0" y="0"/>
+          <a:chExt cx="0" cy="0"/>
+        </a:xfrm>
+      </p:grpSpPr>
+      <p:sp>
+        <p:nvSpPr>
+          <p:cNvPr id="165" name="Google Shape;165;p24"/>
           <p:cNvSpPr txBox="1"/>
           <p:nvPr>
             <p:ph type="title"/>
@@ -8250,10 +8991,18 @@
               <a:buNone/>
             </a:pPr>
             <a:r>
-              <a:rPr lang="en-GB"/>
+              <a:rPr lang="en-GB">
+                <a:solidFill>
+                  <a:schemeClr val="dk1"/>
+                </a:solidFill>
+              </a:rPr>
               <a:t>Summary of findings:</a:t>
             </a:r>
-            <a:endParaRPr/>
+            <a:endParaRPr>
+              <a:solidFill>
+                <a:schemeClr val="dk1"/>
+              </a:solidFill>
+            </a:endParaRPr>
           </a:p>
           <a:p>
             <a:pPr indent="0" lvl="0" marL="0" rtl="0" algn="l">
@@ -8268,13 +9017,17 @@
             <a:r>
               <a:t/>
             </a:r>
-            <a:endParaRPr/>
+            <a:endParaRPr>
+              <a:solidFill>
+                <a:schemeClr val="dk1"/>
+              </a:solidFill>
+            </a:endParaRPr>
           </a:p>
         </p:txBody>
       </p:sp>
       <p:sp>
         <p:nvSpPr>
-          <p:cNvPr id="147" name="Google Shape;147;p22"/>
+          <p:cNvPr id="166" name="Google Shape;166;p24"/>
           <p:cNvSpPr txBox="1"/>
           <p:nvPr>
             <p:ph idx="1" type="body"/>
@@ -8333,6 +9086,27 @@
             <a:r>
               <a:rPr lang="en-GB"/>
               <a:t>LoRA is effective for parameter-efficient tuning</a:t>
+            </a:r>
+            <a:endParaRPr/>
+          </a:p>
+          <a:p>
+            <a:pPr indent="-298450" lvl="0" marL="457200" rtl="0" algn="l">
+              <a:spcBef>
+                <a:spcPts val="0"/>
+              </a:spcBef>
+              <a:spcAft>
+                <a:spcPts val="0"/>
+              </a:spcAft>
+              <a:buClr>
+                <a:srgbClr val="000000"/>
+              </a:buClr>
+              <a:buSzPts val="1100"/>
+              <a:buFont typeface="Arial"/>
+              <a:buChar char="●"/>
+            </a:pPr>
+            <a:r>
+              <a:rPr lang="en-GB"/>
+              <a:t>Llama was trained with a training loss of 0.4 while deepseek was trained with training loss of 0.5, however there was a significant number in the trained parameters of base model</a:t>
             </a:r>
             <a:endParaRPr/>
           </a:p>
@@ -8367,12 +9141,12 @@
 </p:sld>
 </file>
 
-<file path=ppt/slides/slide11.xml><?xml version="1.0" encoding="utf-8"?>
+<file path=ppt/slides/slide13.xml><?xml version="1.0" encoding="utf-8"?>
 <p:sld xmlns:a="http://schemas.openxmlformats.org/drawingml/2006/main" xmlns:r="http://schemas.openxmlformats.org/officeDocument/2006/relationships" xmlns:mc="http://schemas.openxmlformats.org/markup-compatibility/2006" xmlns:mv="urn:schemas-microsoft-com:mac:vml" xmlns:p="http://schemas.openxmlformats.org/presentationml/2006/main" xmlns:c="http://schemas.openxmlformats.org/drawingml/2006/chart" xmlns:dgm="http://schemas.openxmlformats.org/drawingml/2006/diagram" xmlns:o="urn:schemas-microsoft-com:office:office" xmlns:v="urn:schemas-microsoft-com:vml" xmlns:pvml="urn:schemas-microsoft-com:office:powerpoint" xmlns:com="http://schemas.openxmlformats.org/drawingml/2006/compatibility" xmlns:p14="http://schemas.microsoft.com/office/powerpoint/2010/main" xmlns:p15="http://schemas.microsoft.com/office/powerpoint/2012/main" xmlns:ahyp="http://schemas.microsoft.com/office/drawing/2018/hyperlinkcolor">
   <p:cSld>
     <p:spTree>
       <p:nvGrpSpPr>
-        <p:cNvPr id="151" name="Shape 151"/>
+        <p:cNvPr id="170" name="Shape 170"/>
         <p:cNvGrpSpPr/>
         <p:nvPr/>
       </p:nvGrpSpPr>
@@ -8386,7 +9160,7 @@
       </p:grpSpPr>
       <p:sp>
         <p:nvSpPr>
-          <p:cNvPr id="152" name="Google Shape;152;p23"/>
+          <p:cNvPr id="171" name="Google Shape;171;p25"/>
           <p:cNvSpPr txBox="1"/>
           <p:nvPr>
             <p:ph type="title"/>
@@ -8419,7 +9193,11 @@
             <a:r>
               <a:t/>
             </a:r>
-            <a:endParaRPr sz="3800"/>
+            <a:endParaRPr sz="3800">
+              <a:solidFill>
+                <a:schemeClr val="dk1"/>
+              </a:solidFill>
+            </a:endParaRPr>
           </a:p>
           <a:p>
             <a:pPr indent="0" lvl="0" marL="0" rtl="0" algn="ctr">
@@ -8434,7 +9212,11 @@
             <a:r>
               <a:t/>
             </a:r>
-            <a:endParaRPr sz="3800"/>
+            <a:endParaRPr sz="3800">
+              <a:solidFill>
+                <a:schemeClr val="dk1"/>
+              </a:solidFill>
+            </a:endParaRPr>
           </a:p>
           <a:p>
             <a:pPr indent="0" lvl="0" marL="0" rtl="0" algn="ctr">
@@ -8447,10 +9229,18 @@
               <a:buNone/>
             </a:pPr>
             <a:r>
-              <a:rPr lang="en-GB" sz="3800"/>
+              <a:rPr lang="en-GB" sz="3800">
+                <a:solidFill>
+                  <a:schemeClr val="dk1"/>
+                </a:solidFill>
+              </a:rPr>
               <a:t>THANK YOU</a:t>
             </a:r>
-            <a:endParaRPr sz="3800"/>
+            <a:endParaRPr sz="3800">
+              <a:solidFill>
+                <a:schemeClr val="dk1"/>
+              </a:solidFill>
+            </a:endParaRPr>
           </a:p>
         </p:txBody>
       </p:sp>
@@ -8467,7 +9257,7 @@
   <p:cSld>
     <p:spTree>
       <p:nvGrpSpPr>
-        <p:cNvPr id="91" name="Shape 91"/>
+        <p:cNvPr id="92" name="Shape 92"/>
         <p:cNvGrpSpPr/>
         <p:nvPr/>
       </p:nvGrpSpPr>
@@ -8481,7 +9271,7 @@
       </p:grpSpPr>
       <p:sp>
         <p:nvSpPr>
-          <p:cNvPr id="92" name="Google Shape;92;p14"/>
+          <p:cNvPr id="93" name="Google Shape;93;p14"/>
           <p:cNvSpPr txBox="1"/>
           <p:nvPr>
             <p:ph type="title"/>
@@ -8512,16 +9302,24 @@
               <a:buNone/>
             </a:pPr>
             <a:r>
-              <a:rPr lang="en-GB"/>
+              <a:rPr lang="en-GB">
+                <a:solidFill>
+                  <a:schemeClr val="dk1"/>
+                </a:solidFill>
+              </a:rPr>
               <a:t>Dataset Overview</a:t>
             </a:r>
-            <a:endParaRPr/>
+            <a:endParaRPr>
+              <a:solidFill>
+                <a:schemeClr val="dk1"/>
+              </a:solidFill>
+            </a:endParaRPr>
           </a:p>
         </p:txBody>
       </p:sp>
       <p:sp>
         <p:nvSpPr>
-          <p:cNvPr id="93" name="Google Shape;93;p14"/>
+          <p:cNvPr id="94" name="Google Shape;94;p14"/>
           <p:cNvSpPr txBox="1"/>
           <p:nvPr>
             <p:ph idx="1" type="body"/>
@@ -8530,7 +9328,7 @@
         <p:spPr>
           <a:xfrm>
             <a:off x="729450" y="2078875"/>
-            <a:ext cx="7688700" cy="2261100"/>
+            <a:ext cx="7688700" cy="2656500"/>
           </a:xfrm>
           <a:prstGeom prst="rect">
             <a:avLst/>
@@ -8538,11 +9336,11 @@
         </p:spPr>
         <p:txBody>
           <a:bodyPr anchorCtr="0" anchor="t" bIns="91425" lIns="91425" spcFirstLastPara="1" rIns="91425" wrap="square" tIns="91425">
-            <a:normAutofit lnSpcReduction="20000"/>
+            <a:normAutofit fontScale="85000" lnSpcReduction="20000"/>
           </a:bodyPr>
           <a:lstStyle/>
           <a:p>
-            <a:pPr indent="-298450" lvl="0" marL="457200" rtl="0" algn="l">
+            <a:pPr indent="-287972" lvl="0" marL="457200" rtl="0" algn="l">
               <a:spcBef>
                 <a:spcPts val="1200"/>
               </a:spcBef>
@@ -8552,7 +9350,7 @@
               <a:buClr>
                 <a:srgbClr val="000000"/>
               </a:buClr>
-              <a:buSzPts val="1100"/>
+              <a:buSzPct val="100000"/>
               <a:buFont typeface="Arial"/>
               <a:buChar char="●"/>
             </a:pPr>
@@ -8579,7 +9377,7 @@
             </a:endParaRPr>
           </a:p>
           <a:p>
-            <a:pPr indent="-298450" lvl="0" marL="457200" rtl="0" algn="l">
+            <a:pPr indent="-287972" lvl="0" marL="457200" rtl="0" algn="l">
               <a:spcBef>
                 <a:spcPts val="0"/>
               </a:spcBef>
@@ -8589,7 +9387,7 @@
               <a:buClr>
                 <a:srgbClr val="000000"/>
               </a:buClr>
-              <a:buSzPts val="1100"/>
+              <a:buSzPct val="100000"/>
               <a:buFont typeface="Arial"/>
               <a:buChar char="●"/>
             </a:pPr>
@@ -8616,7 +9414,7 @@
             </a:endParaRPr>
           </a:p>
           <a:p>
-            <a:pPr indent="-298450" lvl="0" marL="457200" rtl="0" algn="l">
+            <a:pPr indent="-287972" lvl="0" marL="457200" rtl="0" algn="l">
               <a:spcBef>
                 <a:spcPts val="0"/>
               </a:spcBef>
@@ -8626,7 +9424,7 @@
               <a:buClr>
                 <a:srgbClr val="000000"/>
               </a:buClr>
-              <a:buSzPts val="1100"/>
+              <a:buSzPct val="100000"/>
               <a:buFont typeface="Arial"/>
               <a:buChar char="●"/>
             </a:pPr>
@@ -8663,7 +9461,7 @@
               <a:buNone/>
             </a:pPr>
             <a:r>
-              <a:rPr lang="en-GB" sz="1100">
+              <a:rPr b="1" lang="en-GB" sz="1100">
                 <a:solidFill>
                   <a:srgbClr val="000000"/>
                 </a:solidFill>
@@ -8672,9 +9470,9 @@
                 <a:cs typeface="Arial"/>
                 <a:sym typeface="Arial"/>
               </a:rPr>
-              <a:t>Instruction: Natural Language Query</a:t>
+              <a:t>Input:</a:t>
             </a:r>
-            <a:endParaRPr sz="1100">
+            <a:endParaRPr b="1" sz="1100">
               <a:solidFill>
                 <a:srgbClr val="000000"/>
               </a:solidFill>
@@ -8695,7 +9493,7 @@
               <a:buNone/>
             </a:pPr>
             <a:r>
-              <a:rPr lang="en-GB" sz="1100">
+              <a:rPr lang="en-GB" sz="982">
                 <a:solidFill>
                   <a:srgbClr val="000000"/>
                 </a:solidFill>
@@ -8704,9 +9502,9 @@
                 <a:cs typeface="Arial"/>
                 <a:sym typeface="Arial"/>
               </a:rPr>
-              <a:t>Context: Database Schema</a:t>
+              <a:t>Instruction: Natural Language Query</a:t>
             </a:r>
-            <a:endParaRPr sz="1100">
+            <a:endParaRPr sz="982">
               <a:solidFill>
                 <a:srgbClr val="000000"/>
               </a:solidFill>
@@ -8727,7 +9525,7 @@
               <a:buNone/>
             </a:pPr>
             <a:r>
-              <a:rPr lang="en-GB" sz="1100">
+              <a:rPr lang="en-GB" sz="982">
                 <a:solidFill>
                   <a:srgbClr val="000000"/>
                 </a:solidFill>
@@ -8736,9 +9534,9 @@
                 <a:cs typeface="Arial"/>
                 <a:sym typeface="Arial"/>
               </a:rPr>
-              <a:t>Response: SQL Query</a:t>
+              <a:t>Context: Database Schema</a:t>
             </a:r>
-            <a:endParaRPr sz="1100">
+            <a:endParaRPr sz="982">
               <a:solidFill>
                 <a:srgbClr val="000000"/>
               </a:solidFill>
@@ -8759,7 +9557,71 @@
               <a:buNone/>
             </a:pPr>
             <a:r>
-              <a:rPr lang="en-GB" sz="1100">
+              <a:rPr b="1" lang="en-GB" sz="1100">
+                <a:solidFill>
+                  <a:srgbClr val="000000"/>
+                </a:solidFill>
+                <a:latin typeface="Arial"/>
+                <a:ea typeface="Arial"/>
+                <a:cs typeface="Arial"/>
+                <a:sym typeface="Arial"/>
+              </a:rPr>
+              <a:t>Output:</a:t>
+            </a:r>
+            <a:endParaRPr b="1" sz="1100">
+              <a:solidFill>
+                <a:srgbClr val="000000"/>
+              </a:solidFill>
+              <a:latin typeface="Arial"/>
+              <a:ea typeface="Arial"/>
+              <a:cs typeface="Arial"/>
+              <a:sym typeface="Arial"/>
+            </a:endParaRPr>
+          </a:p>
+          <a:p>
+            <a:pPr indent="0" lvl="0" marL="457200" rtl="0" algn="l">
+              <a:spcBef>
+                <a:spcPts val="1200"/>
+              </a:spcBef>
+              <a:spcAft>
+                <a:spcPts val="0"/>
+              </a:spcAft>
+              <a:buNone/>
+            </a:pPr>
+            <a:r>
+              <a:rPr lang="en-GB" sz="982">
+                <a:solidFill>
+                  <a:srgbClr val="000000"/>
+                </a:solidFill>
+                <a:latin typeface="Arial"/>
+                <a:ea typeface="Arial"/>
+                <a:cs typeface="Arial"/>
+                <a:sym typeface="Arial"/>
+              </a:rPr>
+              <a:t>Response: SQL Query</a:t>
+            </a:r>
+            <a:endParaRPr sz="982">
+              <a:solidFill>
+                <a:srgbClr val="000000"/>
+              </a:solidFill>
+              <a:latin typeface="Arial"/>
+              <a:ea typeface="Arial"/>
+              <a:cs typeface="Arial"/>
+              <a:sym typeface="Arial"/>
+            </a:endParaRPr>
+          </a:p>
+          <a:p>
+            <a:pPr indent="0" lvl="0" marL="457200" rtl="0" algn="l">
+              <a:spcBef>
+                <a:spcPts val="1200"/>
+              </a:spcBef>
+              <a:spcAft>
+                <a:spcPts val="0"/>
+              </a:spcAft>
+              <a:buNone/>
+            </a:pPr>
+            <a:r>
+              <a:rPr lang="en-GB" sz="982">
                 <a:solidFill>
                   <a:srgbClr val="000000"/>
                 </a:solidFill>
@@ -8770,7 +9632,7 @@
               </a:rPr>
               <a:t>Explanation: Description of SQL query</a:t>
             </a:r>
-            <a:endParaRPr sz="1100">
+            <a:endParaRPr sz="982">
               <a:solidFill>
                 <a:srgbClr val="000000"/>
               </a:solidFill>
@@ -8797,6 +9659,34 @@
           </a:p>
         </p:txBody>
       </p:sp>
+      <p:pic>
+        <p:nvPicPr>
+          <p:cNvPr id="95" name="Google Shape;95;p14"/>
+          <p:cNvPicPr preferRelativeResize="0"/>
+          <p:nvPr/>
+        </p:nvPicPr>
+        <p:blipFill>
+          <a:blip r:embed="rId3">
+            <a:alphaModFix/>
+          </a:blip>
+          <a:stretch>
+            <a:fillRect/>
+          </a:stretch>
+        </p:blipFill>
+        <p:spPr>
+          <a:xfrm>
+            <a:off x="3587700" y="2571739"/>
+            <a:ext cx="5288026" cy="1500325"/>
+          </a:xfrm>
+          <a:prstGeom prst="rect">
+            <a:avLst/>
+          </a:prstGeom>
+          <a:noFill/>
+          <a:ln>
+            <a:noFill/>
+          </a:ln>
+        </p:spPr>
+      </p:pic>
     </p:spTree>
   </p:cSld>
   <p:clrMapOvr>
@@ -8810,7 +9700,7 @@
   <p:cSld>
     <p:spTree>
       <p:nvGrpSpPr>
-        <p:cNvPr id="97" name="Shape 97"/>
+        <p:cNvPr id="99" name="Shape 99"/>
         <p:cNvGrpSpPr/>
         <p:nvPr/>
       </p:nvGrpSpPr>
@@ -8824,7 +9714,7 @@
       </p:grpSpPr>
       <p:sp>
         <p:nvSpPr>
-          <p:cNvPr id="98" name="Google Shape;98;p15"/>
+          <p:cNvPr id="100" name="Google Shape;100;p15"/>
           <p:cNvSpPr txBox="1"/>
           <p:nvPr>
             <p:ph type="title"/>
@@ -8856,7 +9746,7 @@
             </a:pPr>
             <a:r>
               <a:rPr lang="en-GB"/>
-              <a:t>Baseline Performance</a:t>
+              <a:t>Training Configuration</a:t>
             </a:r>
             <a:endParaRPr/>
           </a:p>
@@ -8864,7 +9754,556 @@
       </p:sp>
       <p:sp>
         <p:nvSpPr>
-          <p:cNvPr id="99" name="Google Shape;99;p15"/>
+          <p:cNvPr id="101" name="Google Shape;101;p15"/>
+          <p:cNvSpPr txBox="1"/>
+          <p:nvPr>
+            <p:ph idx="1" type="body"/>
+          </p:nvPr>
+        </p:nvSpPr>
+        <p:spPr>
+          <a:xfrm>
+            <a:off x="729450" y="2078875"/>
+            <a:ext cx="2697000" cy="2261100"/>
+          </a:xfrm>
+          <a:prstGeom prst="rect">
+            <a:avLst/>
+          </a:prstGeom>
+        </p:spPr>
+        <p:txBody>
+          <a:bodyPr anchorCtr="0" anchor="t" bIns="91425" lIns="91425" spcFirstLastPara="1" rIns="91425" wrap="square" tIns="91425">
+            <a:normAutofit fontScale="77500" lnSpcReduction="20000"/>
+          </a:bodyPr>
+          <a:lstStyle/>
+          <a:p>
+            <a:pPr indent="0" lvl="0" marL="0" rtl="0" algn="l">
+              <a:lnSpc>
+                <a:spcPct val="100000"/>
+              </a:lnSpc>
+              <a:spcBef>
+                <a:spcPts val="0"/>
+              </a:spcBef>
+              <a:spcAft>
+                <a:spcPts val="0"/>
+              </a:spcAft>
+              <a:buNone/>
+            </a:pPr>
+            <a:r>
+              <a:rPr lang="en-GB">
+                <a:solidFill>
+                  <a:schemeClr val="dk2"/>
+                </a:solidFill>
+              </a:rPr>
+              <a:t>num_train_epochs=3,</a:t>
+            </a:r>
+            <a:endParaRPr>
+              <a:solidFill>
+                <a:schemeClr val="dk2"/>
+              </a:solidFill>
+            </a:endParaRPr>
+          </a:p>
+          <a:p>
+            <a:pPr indent="0" lvl="0" marL="0" rtl="0" algn="l">
+              <a:lnSpc>
+                <a:spcPct val="100000"/>
+              </a:lnSpc>
+              <a:spcBef>
+                <a:spcPts val="1200"/>
+              </a:spcBef>
+              <a:spcAft>
+                <a:spcPts val="0"/>
+              </a:spcAft>
+              <a:buNone/>
+            </a:pPr>
+            <a:r>
+              <a:rPr lang="en-GB">
+                <a:solidFill>
+                  <a:schemeClr val="dk2"/>
+                </a:solidFill>
+              </a:rPr>
+              <a:t> per_device_train_batch_size=2,</a:t>
+            </a:r>
+            <a:endParaRPr>
+              <a:solidFill>
+                <a:schemeClr val="dk2"/>
+              </a:solidFill>
+            </a:endParaRPr>
+          </a:p>
+          <a:p>
+            <a:pPr indent="0" lvl="0" marL="0" rtl="0" algn="l">
+              <a:lnSpc>
+                <a:spcPct val="100000"/>
+              </a:lnSpc>
+              <a:spcBef>
+                <a:spcPts val="1200"/>
+              </a:spcBef>
+              <a:spcAft>
+                <a:spcPts val="0"/>
+              </a:spcAft>
+              <a:buNone/>
+            </a:pPr>
+            <a:r>
+              <a:rPr lang="en-GB">
+                <a:solidFill>
+                  <a:schemeClr val="dk2"/>
+                </a:solidFill>
+              </a:rPr>
+              <a:t> gradient_accumulation_steps=16,</a:t>
+            </a:r>
+            <a:endParaRPr>
+              <a:solidFill>
+                <a:schemeClr val="dk2"/>
+              </a:solidFill>
+            </a:endParaRPr>
+          </a:p>
+          <a:p>
+            <a:pPr indent="0" lvl="0" marL="0" rtl="0" algn="l">
+              <a:lnSpc>
+                <a:spcPct val="100000"/>
+              </a:lnSpc>
+              <a:spcBef>
+                <a:spcPts val="1200"/>
+              </a:spcBef>
+              <a:spcAft>
+                <a:spcPts val="0"/>
+              </a:spcAft>
+              <a:buNone/>
+            </a:pPr>
+            <a:r>
+              <a:rPr lang="en-GB">
+                <a:solidFill>
+                  <a:schemeClr val="dk2"/>
+                </a:solidFill>
+              </a:rPr>
+              <a:t> learning_rate=2e-4,</a:t>
+            </a:r>
+            <a:endParaRPr>
+              <a:solidFill>
+                <a:schemeClr val="dk2"/>
+              </a:solidFill>
+            </a:endParaRPr>
+          </a:p>
+          <a:p>
+            <a:pPr indent="0" lvl="0" marL="0" rtl="0" algn="l">
+              <a:lnSpc>
+                <a:spcPct val="100000"/>
+              </a:lnSpc>
+              <a:spcBef>
+                <a:spcPts val="1200"/>
+              </a:spcBef>
+              <a:spcAft>
+                <a:spcPts val="0"/>
+              </a:spcAft>
+              <a:buNone/>
+            </a:pPr>
+            <a:r>
+              <a:rPr lang="en-GB">
+                <a:solidFill>
+                  <a:schemeClr val="dk2"/>
+                </a:solidFill>
+              </a:rPr>
+              <a:t> fp16=True,</a:t>
+            </a:r>
+            <a:endParaRPr>
+              <a:solidFill>
+                <a:schemeClr val="dk2"/>
+              </a:solidFill>
+            </a:endParaRPr>
+          </a:p>
+          <a:p>
+            <a:pPr indent="0" lvl="0" marL="0" rtl="0" algn="l">
+              <a:lnSpc>
+                <a:spcPct val="100000"/>
+              </a:lnSpc>
+              <a:spcBef>
+                <a:spcPts val="1200"/>
+              </a:spcBef>
+              <a:spcAft>
+                <a:spcPts val="0"/>
+              </a:spcAft>
+              <a:buNone/>
+            </a:pPr>
+            <a:r>
+              <a:rPr lang="en-GB">
+                <a:solidFill>
+                  <a:schemeClr val="dk2"/>
+                </a:solidFill>
+              </a:rPr>
+              <a:t> logging_steps=10,</a:t>
+            </a:r>
+            <a:endParaRPr>
+              <a:solidFill>
+                <a:schemeClr val="dk2"/>
+              </a:solidFill>
+            </a:endParaRPr>
+          </a:p>
+          <a:p>
+            <a:pPr indent="0" lvl="0" marL="0" rtl="0" algn="l">
+              <a:lnSpc>
+                <a:spcPct val="100000"/>
+              </a:lnSpc>
+              <a:spcBef>
+                <a:spcPts val="1200"/>
+              </a:spcBef>
+              <a:spcAft>
+                <a:spcPts val="0"/>
+              </a:spcAft>
+              <a:buNone/>
+            </a:pPr>
+            <a:r>
+              <a:rPr lang="en-GB">
+                <a:solidFill>
+                  <a:schemeClr val="dk2"/>
+                </a:solidFill>
+              </a:rPr>
+              <a:t> save_steps=200,</a:t>
+            </a:r>
+            <a:endParaRPr sz="900">
+              <a:solidFill>
+                <a:schemeClr val="dk2"/>
+              </a:solidFill>
+              <a:highlight>
+                <a:srgbClr val="1F1F1F"/>
+              </a:highlight>
+              <a:latin typeface="Courier New"/>
+              <a:ea typeface="Courier New"/>
+              <a:cs typeface="Courier New"/>
+              <a:sym typeface="Courier New"/>
+            </a:endParaRPr>
+          </a:p>
+          <a:p>
+            <a:pPr indent="0" lvl="0" marL="0" rtl="0" algn="l">
+              <a:spcBef>
+                <a:spcPts val="1200"/>
+              </a:spcBef>
+              <a:spcAft>
+                <a:spcPts val="1200"/>
+              </a:spcAft>
+              <a:buNone/>
+            </a:pPr>
+            <a:r>
+              <a:t/>
+            </a:r>
+            <a:endParaRPr/>
+          </a:p>
+        </p:txBody>
+      </p:sp>
+      <p:pic>
+        <p:nvPicPr>
+          <p:cNvPr id="102" name="Google Shape;102;p15"/>
+          <p:cNvPicPr preferRelativeResize="0"/>
+          <p:nvPr/>
+        </p:nvPicPr>
+        <p:blipFill>
+          <a:blip r:embed="rId3">
+            <a:alphaModFix/>
+          </a:blip>
+          <a:stretch>
+            <a:fillRect/>
+          </a:stretch>
+        </p:blipFill>
+        <p:spPr>
+          <a:xfrm>
+            <a:off x="5814775" y="1513375"/>
+            <a:ext cx="1531566" cy="565500"/>
+          </a:xfrm>
+          <a:prstGeom prst="rect">
+            <a:avLst/>
+          </a:prstGeom>
+          <a:noFill/>
+          <a:ln>
+            <a:noFill/>
+          </a:ln>
+        </p:spPr>
+      </p:pic>
+      <p:pic>
+        <p:nvPicPr>
+          <p:cNvPr id="103" name="Google Shape;103;p15"/>
+          <p:cNvPicPr preferRelativeResize="0"/>
+          <p:nvPr/>
+        </p:nvPicPr>
+        <p:blipFill rotWithShape="1">
+          <a:blip r:embed="rId4">
+            <a:alphaModFix/>
+          </a:blip>
+          <a:srcRect b="0" l="18880" r="19520" t="18073"/>
+          <a:stretch/>
+        </p:blipFill>
+        <p:spPr>
+          <a:xfrm>
+            <a:off x="5814775" y="2078875"/>
+            <a:ext cx="1574700" cy="1098599"/>
+          </a:xfrm>
+          <a:prstGeom prst="rect">
+            <a:avLst/>
+          </a:prstGeom>
+          <a:noFill/>
+          <a:ln>
+            <a:noFill/>
+          </a:ln>
+        </p:spPr>
+      </p:pic>
+      <p:sp>
+        <p:nvSpPr>
+          <p:cNvPr id="104" name="Google Shape;104;p15"/>
+          <p:cNvSpPr txBox="1"/>
+          <p:nvPr/>
+        </p:nvSpPr>
+        <p:spPr>
+          <a:xfrm>
+            <a:off x="5390025" y="3298650"/>
+            <a:ext cx="2508000" cy="592500"/>
+          </a:xfrm>
+          <a:prstGeom prst="rect">
+            <a:avLst/>
+          </a:prstGeom>
+          <a:noFill/>
+          <a:ln>
+            <a:noFill/>
+          </a:ln>
+        </p:spPr>
+        <p:txBody>
+          <a:bodyPr anchorCtr="0" anchor="t" bIns="91425" lIns="91425" spcFirstLastPara="1" rIns="91425" wrap="square" tIns="91425">
+            <a:spAutoFit/>
+          </a:bodyPr>
+          <a:lstStyle/>
+          <a:p>
+            <a:pPr indent="0" lvl="0" marL="0" rtl="0" algn="ctr">
+              <a:lnSpc>
+                <a:spcPct val="150000"/>
+              </a:lnSpc>
+              <a:spcBef>
+                <a:spcPts val="0"/>
+              </a:spcBef>
+              <a:spcAft>
+                <a:spcPts val="0"/>
+              </a:spcAft>
+              <a:buNone/>
+            </a:pPr>
+            <a:r>
+              <a:rPr lang="en-GB" sz="900">
+                <a:solidFill>
+                  <a:schemeClr val="dk1"/>
+                </a:solidFill>
+                <a:highlight>
+                  <a:schemeClr val="lt1"/>
+                </a:highlight>
+                <a:latin typeface="Raleway"/>
+                <a:ea typeface="Raleway"/>
+                <a:cs typeface="Raleway"/>
+                <a:sym typeface="Raleway"/>
+              </a:rPr>
+              <a:t>LoRA for parameter-efficient fine-tuning</a:t>
+            </a:r>
+            <a:endParaRPr sz="900">
+              <a:solidFill>
+                <a:schemeClr val="dk1"/>
+              </a:solidFill>
+              <a:highlight>
+                <a:schemeClr val="lt1"/>
+              </a:highlight>
+              <a:latin typeface="Raleway"/>
+              <a:ea typeface="Raleway"/>
+              <a:cs typeface="Raleway"/>
+              <a:sym typeface="Raleway"/>
+            </a:endParaRPr>
+          </a:p>
+          <a:p>
+            <a:pPr indent="0" lvl="0" marL="0" rtl="0" algn="ctr">
+              <a:spcBef>
+                <a:spcPts val="0"/>
+              </a:spcBef>
+              <a:spcAft>
+                <a:spcPts val="0"/>
+              </a:spcAft>
+              <a:buNone/>
+            </a:pPr>
+            <a:r>
+              <a:t/>
+            </a:r>
+            <a:endParaRPr sz="1300">
+              <a:solidFill>
+                <a:schemeClr val="dk1"/>
+              </a:solidFill>
+              <a:highlight>
+                <a:schemeClr val="lt1"/>
+              </a:highlight>
+              <a:latin typeface="Raleway"/>
+              <a:ea typeface="Raleway"/>
+              <a:cs typeface="Raleway"/>
+              <a:sym typeface="Raleway"/>
+            </a:endParaRPr>
+          </a:p>
+        </p:txBody>
+      </p:sp>
+    </p:spTree>
+  </p:cSld>
+  <p:clrMapOvr>
+    <a:masterClrMapping/>
+  </p:clrMapOvr>
+</p:sld>
+</file>
+
+<file path=ppt/slides/slide4.xml><?xml version="1.0" encoding="utf-8"?>
+<p:sld xmlns:a="http://schemas.openxmlformats.org/drawingml/2006/main" xmlns:r="http://schemas.openxmlformats.org/officeDocument/2006/relationships" xmlns:mc="http://schemas.openxmlformats.org/markup-compatibility/2006" xmlns:mv="urn:schemas-microsoft-com:mac:vml" xmlns:p="http://schemas.openxmlformats.org/presentationml/2006/main" xmlns:c="http://schemas.openxmlformats.org/drawingml/2006/chart" xmlns:dgm="http://schemas.openxmlformats.org/drawingml/2006/diagram" xmlns:o="urn:schemas-microsoft-com:office:office" xmlns:v="urn:schemas-microsoft-com:vml" xmlns:pvml="urn:schemas-microsoft-com:office:powerpoint" xmlns:com="http://schemas.openxmlformats.org/drawingml/2006/compatibility" xmlns:p14="http://schemas.microsoft.com/office/powerpoint/2010/main" xmlns:p15="http://schemas.microsoft.com/office/powerpoint/2012/main" xmlns:ahyp="http://schemas.microsoft.com/office/drawing/2018/hyperlinkcolor">
+  <p:cSld>
+    <p:spTree>
+      <p:nvGrpSpPr>
+        <p:cNvPr id="108" name="Shape 108"/>
+        <p:cNvGrpSpPr/>
+        <p:nvPr/>
+      </p:nvGrpSpPr>
+      <p:grpSpPr>
+        <a:xfrm>
+          <a:off x="0" y="0"/>
+          <a:ext cx="0" cy="0"/>
+          <a:chOff x="0" y="0"/>
+          <a:chExt cx="0" cy="0"/>
+        </a:xfrm>
+      </p:grpSpPr>
+      <p:pic>
+        <p:nvPicPr>
+          <p:cNvPr id="109" name="Google Shape;109;p16"/>
+          <p:cNvPicPr preferRelativeResize="0"/>
+          <p:nvPr/>
+        </p:nvPicPr>
+        <p:blipFill>
+          <a:blip r:embed="rId3">
+            <a:alphaModFix/>
+          </a:blip>
+          <a:stretch>
+            <a:fillRect/>
+          </a:stretch>
+        </p:blipFill>
+        <p:spPr>
+          <a:xfrm>
+            <a:off x="763425" y="1683175"/>
+            <a:ext cx="7244052" cy="2663449"/>
+          </a:xfrm>
+          <a:prstGeom prst="rect">
+            <a:avLst/>
+          </a:prstGeom>
+          <a:noFill/>
+          <a:ln>
+            <a:noFill/>
+          </a:ln>
+        </p:spPr>
+      </p:pic>
+      <p:sp>
+        <p:nvSpPr>
+          <p:cNvPr id="110" name="Google Shape;110;p16"/>
+          <p:cNvSpPr txBox="1"/>
+          <p:nvPr>
+            <p:ph type="title"/>
+          </p:nvPr>
+        </p:nvSpPr>
+        <p:spPr>
+          <a:xfrm>
+            <a:off x="727650" y="1242125"/>
+            <a:ext cx="7688700" cy="535200"/>
+          </a:xfrm>
+          <a:prstGeom prst="rect">
+            <a:avLst/>
+          </a:prstGeom>
+        </p:spPr>
+        <p:txBody>
+          <a:bodyPr anchorCtr="0" anchor="t" bIns="91425" lIns="91425" spcFirstLastPara="1" rIns="91425" wrap="square" tIns="91425">
+            <a:normAutofit fontScale="90000"/>
+          </a:bodyPr>
+          <a:lstStyle/>
+          <a:p>
+            <a:pPr indent="0" lvl="0" marL="0" rtl="0" algn="l">
+              <a:spcBef>
+                <a:spcPts val="0"/>
+              </a:spcBef>
+              <a:spcAft>
+                <a:spcPts val="0"/>
+              </a:spcAft>
+              <a:buNone/>
+            </a:pPr>
+            <a:r>
+              <a:rPr lang="en-GB"/>
+              <a:t>Workflow</a:t>
+            </a:r>
+            <a:endParaRPr/>
+          </a:p>
+        </p:txBody>
+      </p:sp>
+    </p:spTree>
+  </p:cSld>
+  <p:clrMapOvr>
+    <a:masterClrMapping/>
+  </p:clrMapOvr>
+</p:sld>
+</file>
+
+<file path=ppt/slides/slide5.xml><?xml version="1.0" encoding="utf-8"?>
+<p:sld xmlns:a="http://schemas.openxmlformats.org/drawingml/2006/main" xmlns:r="http://schemas.openxmlformats.org/officeDocument/2006/relationships" xmlns:mc="http://schemas.openxmlformats.org/markup-compatibility/2006" xmlns:mv="urn:schemas-microsoft-com:mac:vml" xmlns:p="http://schemas.openxmlformats.org/presentationml/2006/main" xmlns:c="http://schemas.openxmlformats.org/drawingml/2006/chart" xmlns:dgm="http://schemas.openxmlformats.org/drawingml/2006/diagram" xmlns:o="urn:schemas-microsoft-com:office:office" xmlns:v="urn:schemas-microsoft-com:vml" xmlns:pvml="urn:schemas-microsoft-com:office:powerpoint" xmlns:com="http://schemas.openxmlformats.org/drawingml/2006/compatibility" xmlns:p14="http://schemas.microsoft.com/office/powerpoint/2010/main" xmlns:p15="http://schemas.microsoft.com/office/powerpoint/2012/main" xmlns:ahyp="http://schemas.microsoft.com/office/drawing/2018/hyperlinkcolor">
+  <p:cSld>
+    <p:spTree>
+      <p:nvGrpSpPr>
+        <p:cNvPr id="114" name="Shape 114"/>
+        <p:cNvGrpSpPr/>
+        <p:nvPr/>
+      </p:nvGrpSpPr>
+      <p:grpSpPr>
+        <a:xfrm>
+          <a:off x="0" y="0"/>
+          <a:ext cx="0" cy="0"/>
+          <a:chOff x="0" y="0"/>
+          <a:chExt cx="0" cy="0"/>
+        </a:xfrm>
+      </p:grpSpPr>
+      <p:sp>
+        <p:nvSpPr>
+          <p:cNvPr id="115" name="Google Shape;115;p17"/>
+          <p:cNvSpPr txBox="1"/>
+          <p:nvPr>
+            <p:ph type="title"/>
+          </p:nvPr>
+        </p:nvSpPr>
+        <p:spPr>
+          <a:xfrm>
+            <a:off x="729450" y="1318650"/>
+            <a:ext cx="7688700" cy="535200"/>
+          </a:xfrm>
+          <a:prstGeom prst="rect">
+            <a:avLst/>
+          </a:prstGeom>
+        </p:spPr>
+        <p:txBody>
+          <a:bodyPr anchorCtr="0" anchor="t" bIns="91425" lIns="91425" spcFirstLastPara="1" rIns="91425" wrap="square" tIns="91425">
+            <a:normAutofit fontScale="90000"/>
+          </a:bodyPr>
+          <a:lstStyle/>
+          <a:p>
+            <a:pPr indent="0" lvl="0" marL="0" rtl="0" algn="l">
+              <a:spcBef>
+                <a:spcPts val="0"/>
+              </a:spcBef>
+              <a:spcAft>
+                <a:spcPts val="0"/>
+              </a:spcAft>
+              <a:buNone/>
+            </a:pPr>
+            <a:r>
+              <a:rPr lang="en-GB">
+                <a:solidFill>
+                  <a:schemeClr val="dk1"/>
+                </a:solidFill>
+              </a:rPr>
+              <a:t>Baseline Performance</a:t>
+            </a:r>
+            <a:endParaRPr>
+              <a:solidFill>
+                <a:schemeClr val="dk1"/>
+              </a:solidFill>
+            </a:endParaRPr>
+          </a:p>
+        </p:txBody>
+      </p:sp>
+      <p:sp>
+        <p:nvSpPr>
+          <p:cNvPr id="116" name="Google Shape;116;p17"/>
           <p:cNvSpPr txBox="1"/>
           <p:nvPr>
             <p:ph idx="1" type="body"/>
@@ -8954,7 +10393,7 @@
       </p:sp>
       <p:pic>
         <p:nvPicPr>
-          <p:cNvPr id="100" name="Google Shape;100;p15"/>
+          <p:cNvPr id="117" name="Google Shape;117;p17"/>
           <p:cNvPicPr preferRelativeResize="0"/>
           <p:nvPr/>
         </p:nvPicPr>
@@ -8988,12 +10427,12 @@
 </p:sld>
 </file>
 
-<file path=ppt/slides/slide4.xml><?xml version="1.0" encoding="utf-8"?>
+<file path=ppt/slides/slide6.xml><?xml version="1.0" encoding="utf-8"?>
 <p:sld xmlns:a="http://schemas.openxmlformats.org/drawingml/2006/main" xmlns:r="http://schemas.openxmlformats.org/officeDocument/2006/relationships" xmlns:mc="http://schemas.openxmlformats.org/markup-compatibility/2006" xmlns:mv="urn:schemas-microsoft-com:mac:vml" xmlns:p="http://schemas.openxmlformats.org/presentationml/2006/main" xmlns:c="http://schemas.openxmlformats.org/drawingml/2006/chart" xmlns:dgm="http://schemas.openxmlformats.org/drawingml/2006/diagram" xmlns:o="urn:schemas-microsoft-com:office:office" xmlns:v="urn:schemas-microsoft-com:vml" xmlns:pvml="urn:schemas-microsoft-com:office:powerpoint" xmlns:com="http://schemas.openxmlformats.org/drawingml/2006/compatibility" xmlns:p14="http://schemas.microsoft.com/office/powerpoint/2010/main" xmlns:p15="http://schemas.microsoft.com/office/powerpoint/2012/main" xmlns:ahyp="http://schemas.microsoft.com/office/drawing/2018/hyperlinkcolor">
   <p:cSld>
     <p:spTree>
       <p:nvGrpSpPr>
-        <p:cNvPr id="104" name="Shape 104"/>
+        <p:cNvPr id="121" name="Shape 121"/>
         <p:cNvGrpSpPr/>
         <p:nvPr/>
       </p:nvGrpSpPr>
@@ -9007,7 +10446,7 @@
       </p:grpSpPr>
       <p:sp>
         <p:nvSpPr>
-          <p:cNvPr id="105" name="Google Shape;105;p16"/>
+          <p:cNvPr id="122" name="Google Shape;122;p18"/>
           <p:cNvSpPr txBox="1"/>
           <p:nvPr>
             <p:ph type="title"/>
@@ -9038,16 +10477,539 @@
               <a:buNone/>
             </a:pPr>
             <a:r>
-              <a:rPr lang="en-GB"/>
-              <a:t>Baseline Performance</a:t>
+              <a:rPr lang="en-GB">
+                <a:solidFill>
+                  <a:schemeClr val="dk1"/>
+                </a:solidFill>
+              </a:rPr>
+              <a:t>Fine-Tuning Process</a:t>
             </a:r>
-            <a:endParaRPr/>
+            <a:endParaRPr>
+              <a:solidFill>
+                <a:schemeClr val="dk1"/>
+              </a:solidFill>
+            </a:endParaRPr>
           </a:p>
         </p:txBody>
       </p:sp>
       <p:sp>
         <p:nvSpPr>
-          <p:cNvPr id="106" name="Google Shape;106;p16"/>
+          <p:cNvPr id="123" name="Google Shape;123;p18"/>
+          <p:cNvSpPr txBox="1"/>
+          <p:nvPr>
+            <p:ph idx="1" type="body"/>
+          </p:nvPr>
+        </p:nvSpPr>
+        <p:spPr>
+          <a:xfrm>
+            <a:off x="729450" y="2078875"/>
+            <a:ext cx="7688700" cy="2261100"/>
+          </a:xfrm>
+          <a:prstGeom prst="rect">
+            <a:avLst/>
+          </a:prstGeom>
+        </p:spPr>
+        <p:txBody>
+          <a:bodyPr anchorCtr="0" anchor="t" bIns="91425" lIns="91425" spcFirstLastPara="1" rIns="91425" wrap="square" tIns="91425">
+            <a:normAutofit lnSpcReduction="20000"/>
+          </a:bodyPr>
+          <a:lstStyle/>
+          <a:p>
+            <a:pPr indent="-298450" lvl="0" marL="457200" rtl="0" algn="l">
+              <a:spcBef>
+                <a:spcPts val="1200"/>
+              </a:spcBef>
+              <a:spcAft>
+                <a:spcPts val="0"/>
+              </a:spcAft>
+              <a:buClr>
+                <a:srgbClr val="000000"/>
+              </a:buClr>
+              <a:buSzPts val="1100"/>
+              <a:buFont typeface="Raleway"/>
+              <a:buChar char="●"/>
+            </a:pPr>
+            <a:r>
+              <a:rPr lang="en-GB" sz="1100">
+                <a:solidFill>
+                  <a:srgbClr val="000000"/>
+                </a:solidFill>
+                <a:latin typeface="Raleway"/>
+                <a:ea typeface="Raleway"/>
+                <a:cs typeface="Raleway"/>
+                <a:sym typeface="Raleway"/>
+              </a:rPr>
+              <a:t>Training parameters:</a:t>
+            </a:r>
+            <a:endParaRPr sz="1100">
+              <a:solidFill>
+                <a:srgbClr val="000000"/>
+              </a:solidFill>
+              <a:latin typeface="Raleway"/>
+              <a:ea typeface="Raleway"/>
+              <a:cs typeface="Raleway"/>
+              <a:sym typeface="Raleway"/>
+            </a:endParaRPr>
+          </a:p>
+          <a:p>
+            <a:pPr indent="-298450" lvl="1" marL="914400" rtl="0" algn="l">
+              <a:spcBef>
+                <a:spcPts val="0"/>
+              </a:spcBef>
+              <a:spcAft>
+                <a:spcPts val="0"/>
+              </a:spcAft>
+              <a:buClr>
+                <a:srgbClr val="000000"/>
+              </a:buClr>
+              <a:buSzPts val="1100"/>
+              <a:buFont typeface="Raleway"/>
+              <a:buChar char="○"/>
+            </a:pPr>
+            <a:r>
+              <a:rPr lang="en-GB">
+                <a:solidFill>
+                  <a:srgbClr val="000000"/>
+                </a:solidFill>
+                <a:latin typeface="Raleway"/>
+                <a:ea typeface="Raleway"/>
+                <a:cs typeface="Raleway"/>
+                <a:sym typeface="Raleway"/>
+              </a:rPr>
+              <a:t>Epochs: 3</a:t>
+            </a:r>
+            <a:endParaRPr>
+              <a:solidFill>
+                <a:srgbClr val="000000"/>
+              </a:solidFill>
+              <a:latin typeface="Raleway"/>
+              <a:ea typeface="Raleway"/>
+              <a:cs typeface="Raleway"/>
+              <a:sym typeface="Raleway"/>
+            </a:endParaRPr>
+          </a:p>
+          <a:p>
+            <a:pPr indent="-298450" lvl="1" marL="914400" rtl="0" algn="l">
+              <a:spcBef>
+                <a:spcPts val="0"/>
+              </a:spcBef>
+              <a:spcAft>
+                <a:spcPts val="0"/>
+              </a:spcAft>
+              <a:buClr>
+                <a:srgbClr val="000000"/>
+              </a:buClr>
+              <a:buSzPts val="1100"/>
+              <a:buFont typeface="Raleway"/>
+              <a:buChar char="○"/>
+            </a:pPr>
+            <a:r>
+              <a:rPr lang="en-GB">
+                <a:solidFill>
+                  <a:srgbClr val="000000"/>
+                </a:solidFill>
+                <a:latin typeface="Raleway"/>
+                <a:ea typeface="Raleway"/>
+                <a:cs typeface="Raleway"/>
+                <a:sym typeface="Raleway"/>
+              </a:rPr>
+              <a:t>Batch Size: 2</a:t>
+            </a:r>
+            <a:endParaRPr>
+              <a:solidFill>
+                <a:srgbClr val="000000"/>
+              </a:solidFill>
+              <a:latin typeface="Raleway"/>
+              <a:ea typeface="Raleway"/>
+              <a:cs typeface="Raleway"/>
+              <a:sym typeface="Raleway"/>
+            </a:endParaRPr>
+          </a:p>
+          <a:p>
+            <a:pPr indent="-298450" lvl="1" marL="914400" rtl="0" algn="l">
+              <a:spcBef>
+                <a:spcPts val="0"/>
+              </a:spcBef>
+              <a:spcAft>
+                <a:spcPts val="0"/>
+              </a:spcAft>
+              <a:buClr>
+                <a:srgbClr val="000000"/>
+              </a:buClr>
+              <a:buSzPts val="1100"/>
+              <a:buFont typeface="Raleway"/>
+              <a:buChar char="○"/>
+            </a:pPr>
+            <a:r>
+              <a:rPr lang="en-GB">
+                <a:solidFill>
+                  <a:srgbClr val="000000"/>
+                </a:solidFill>
+                <a:latin typeface="Raleway"/>
+                <a:ea typeface="Raleway"/>
+                <a:cs typeface="Raleway"/>
+                <a:sym typeface="Raleway"/>
+              </a:rPr>
+              <a:t>Learning Rate: 2e-4</a:t>
+            </a:r>
+            <a:endParaRPr>
+              <a:solidFill>
+                <a:srgbClr val="000000"/>
+              </a:solidFill>
+              <a:latin typeface="Raleway"/>
+              <a:ea typeface="Raleway"/>
+              <a:cs typeface="Raleway"/>
+              <a:sym typeface="Raleway"/>
+            </a:endParaRPr>
+          </a:p>
+          <a:p>
+            <a:pPr indent="-298450" lvl="1" marL="914400" rtl="0" algn="l">
+              <a:spcBef>
+                <a:spcPts val="0"/>
+              </a:spcBef>
+              <a:spcAft>
+                <a:spcPts val="0"/>
+              </a:spcAft>
+              <a:buClr>
+                <a:srgbClr val="000000"/>
+              </a:buClr>
+              <a:buSzPts val="1100"/>
+              <a:buFont typeface="Raleway"/>
+              <a:buChar char="○"/>
+            </a:pPr>
+            <a:r>
+              <a:rPr lang="en-GB">
+                <a:solidFill>
+                  <a:srgbClr val="000000"/>
+                </a:solidFill>
+                <a:latin typeface="Raleway"/>
+                <a:ea typeface="Raleway"/>
+                <a:cs typeface="Raleway"/>
+                <a:sym typeface="Raleway"/>
+              </a:rPr>
+              <a:t>Max Sequence Length: 512</a:t>
+            </a:r>
+            <a:endParaRPr>
+              <a:solidFill>
+                <a:srgbClr val="000000"/>
+              </a:solidFill>
+              <a:latin typeface="Raleway"/>
+              <a:ea typeface="Raleway"/>
+              <a:cs typeface="Raleway"/>
+              <a:sym typeface="Raleway"/>
+            </a:endParaRPr>
+          </a:p>
+          <a:p>
+            <a:pPr indent="-298450" lvl="0" marL="457200" rtl="0" algn="l">
+              <a:spcBef>
+                <a:spcPts val="0"/>
+              </a:spcBef>
+              <a:spcAft>
+                <a:spcPts val="0"/>
+              </a:spcAft>
+              <a:buClr>
+                <a:srgbClr val="000000"/>
+              </a:buClr>
+              <a:buSzPts val="1100"/>
+              <a:buFont typeface="Arial"/>
+              <a:buChar char="●"/>
+            </a:pPr>
+            <a:r>
+              <a:rPr lang="en-GB" sz="1100">
+                <a:solidFill>
+                  <a:srgbClr val="000000"/>
+                </a:solidFill>
+                <a:latin typeface="Raleway"/>
+                <a:ea typeface="Raleway"/>
+                <a:cs typeface="Raleway"/>
+                <a:sym typeface="Raleway"/>
+              </a:rPr>
+              <a:t>Trainer: SFTTrainer (Transformers RL)</a:t>
+            </a:r>
+            <a:endParaRPr sz="1100">
+              <a:solidFill>
+                <a:srgbClr val="000000"/>
+              </a:solidFill>
+              <a:latin typeface="Raleway"/>
+              <a:ea typeface="Raleway"/>
+              <a:cs typeface="Raleway"/>
+              <a:sym typeface="Raleway"/>
+            </a:endParaRPr>
+          </a:p>
+          <a:p>
+            <a:pPr indent="-298450" lvl="0" marL="457200" rtl="0" algn="l">
+              <a:spcBef>
+                <a:spcPts val="0"/>
+              </a:spcBef>
+              <a:spcAft>
+                <a:spcPts val="0"/>
+              </a:spcAft>
+              <a:buClr>
+                <a:srgbClr val="000000"/>
+              </a:buClr>
+              <a:buSzPts val="1100"/>
+              <a:buFont typeface="Raleway"/>
+              <a:buChar char="●"/>
+            </a:pPr>
+            <a:r>
+              <a:rPr lang="en-GB" sz="1100">
+                <a:solidFill>
+                  <a:srgbClr val="000000"/>
+                </a:solidFill>
+                <a:latin typeface="Raleway"/>
+                <a:ea typeface="Raleway"/>
+                <a:cs typeface="Raleway"/>
+                <a:sym typeface="Raleway"/>
+              </a:rPr>
+              <a:t>LoRA applied for lightweight tuning</a:t>
+            </a:r>
+            <a:endParaRPr sz="1100">
+              <a:solidFill>
+                <a:srgbClr val="000000"/>
+              </a:solidFill>
+              <a:latin typeface="Raleway"/>
+              <a:ea typeface="Raleway"/>
+              <a:cs typeface="Raleway"/>
+              <a:sym typeface="Raleway"/>
+            </a:endParaRPr>
+          </a:p>
+          <a:p>
+            <a:pPr indent="-298450" lvl="0" marL="457200" rtl="0" algn="l">
+              <a:spcBef>
+                <a:spcPts val="0"/>
+              </a:spcBef>
+              <a:spcAft>
+                <a:spcPts val="0"/>
+              </a:spcAft>
+              <a:buClr>
+                <a:srgbClr val="000000"/>
+              </a:buClr>
+              <a:buSzPts val="1100"/>
+              <a:buFont typeface="Raleway"/>
+              <a:buChar char="●"/>
+            </a:pPr>
+            <a:r>
+              <a:rPr lang="en-GB" sz="1100">
+                <a:solidFill>
+                  <a:srgbClr val="000000"/>
+                </a:solidFill>
+                <a:latin typeface="Raleway"/>
+                <a:ea typeface="Raleway"/>
+                <a:cs typeface="Raleway"/>
+                <a:sym typeface="Raleway"/>
+              </a:rPr>
+              <a:t>Dataset tokenized and batched</a:t>
+            </a:r>
+            <a:endParaRPr sz="1100">
+              <a:solidFill>
+                <a:srgbClr val="000000"/>
+              </a:solidFill>
+              <a:latin typeface="Raleway"/>
+              <a:ea typeface="Raleway"/>
+              <a:cs typeface="Raleway"/>
+              <a:sym typeface="Raleway"/>
+            </a:endParaRPr>
+          </a:p>
+          <a:p>
+            <a:pPr indent="-298450" lvl="0" marL="457200" rtl="0" algn="l">
+              <a:spcBef>
+                <a:spcPts val="0"/>
+              </a:spcBef>
+              <a:spcAft>
+                <a:spcPts val="0"/>
+              </a:spcAft>
+              <a:buClr>
+                <a:srgbClr val="000000"/>
+              </a:buClr>
+              <a:buSzPts val="1100"/>
+              <a:buFont typeface="Raleway"/>
+              <a:buChar char="●"/>
+            </a:pPr>
+            <a:r>
+              <a:rPr lang="en-GB" sz="1100">
+                <a:solidFill>
+                  <a:srgbClr val="000000"/>
+                </a:solidFill>
+                <a:latin typeface="Raleway"/>
+                <a:ea typeface="Raleway"/>
+                <a:cs typeface="Raleway"/>
+                <a:sym typeface="Raleway"/>
+              </a:rPr>
+              <a:t>Gradual learning rate adjustments</a:t>
+            </a:r>
+            <a:endParaRPr sz="1100">
+              <a:solidFill>
+                <a:srgbClr val="000000"/>
+              </a:solidFill>
+              <a:latin typeface="Raleway"/>
+              <a:ea typeface="Raleway"/>
+              <a:cs typeface="Raleway"/>
+              <a:sym typeface="Raleway"/>
+            </a:endParaRPr>
+          </a:p>
+          <a:p>
+            <a:pPr indent="-298450" lvl="0" marL="457200" rtl="0" algn="l">
+              <a:spcBef>
+                <a:spcPts val="0"/>
+              </a:spcBef>
+              <a:spcAft>
+                <a:spcPts val="0"/>
+              </a:spcAft>
+              <a:buClr>
+                <a:srgbClr val="000000"/>
+              </a:buClr>
+              <a:buSzPts val="1100"/>
+              <a:buFont typeface="Raleway"/>
+              <a:buChar char="●"/>
+            </a:pPr>
+            <a:r>
+              <a:rPr lang="en-GB" sz="1100">
+                <a:solidFill>
+                  <a:srgbClr val="000000"/>
+                </a:solidFill>
+                <a:latin typeface="Raleway"/>
+                <a:ea typeface="Raleway"/>
+                <a:cs typeface="Raleway"/>
+                <a:sym typeface="Raleway"/>
+              </a:rPr>
+              <a:t>Model checkpoints saved every 200 steps</a:t>
+            </a:r>
+            <a:endParaRPr sz="1100">
+              <a:solidFill>
+                <a:srgbClr val="000000"/>
+              </a:solidFill>
+              <a:latin typeface="Raleway"/>
+              <a:ea typeface="Raleway"/>
+              <a:cs typeface="Raleway"/>
+              <a:sym typeface="Raleway"/>
+            </a:endParaRPr>
+          </a:p>
+          <a:p>
+            <a:pPr indent="0" lvl="0" marL="0" rtl="0" algn="l">
+              <a:spcBef>
+                <a:spcPts val="1200"/>
+              </a:spcBef>
+              <a:spcAft>
+                <a:spcPts val="1200"/>
+              </a:spcAft>
+              <a:buNone/>
+            </a:pPr>
+            <a:r>
+              <a:t/>
+            </a:r>
+            <a:endParaRPr>
+              <a:latin typeface="Raleway"/>
+              <a:ea typeface="Raleway"/>
+              <a:cs typeface="Raleway"/>
+              <a:sym typeface="Raleway"/>
+            </a:endParaRPr>
+          </a:p>
+        </p:txBody>
+      </p:sp>
+      <p:pic>
+        <p:nvPicPr>
+          <p:cNvPr id="124" name="Google Shape;124;p18"/>
+          <p:cNvPicPr preferRelativeResize="0"/>
+          <p:nvPr/>
+        </p:nvPicPr>
+        <p:blipFill>
+          <a:blip r:embed="rId3">
+            <a:alphaModFix/>
+          </a:blip>
+          <a:stretch>
+            <a:fillRect/>
+          </a:stretch>
+        </p:blipFill>
+        <p:spPr>
+          <a:xfrm>
+            <a:off x="4709100" y="1717225"/>
+            <a:ext cx="3995901" cy="1817150"/>
+          </a:xfrm>
+          <a:prstGeom prst="rect">
+            <a:avLst/>
+          </a:prstGeom>
+          <a:noFill/>
+          <a:ln>
+            <a:noFill/>
+          </a:ln>
+        </p:spPr>
+      </p:pic>
+    </p:spTree>
+  </p:cSld>
+  <p:clrMapOvr>
+    <a:masterClrMapping/>
+  </p:clrMapOvr>
+</p:sld>
+</file>
+
+<file path=ppt/slides/slide7.xml><?xml version="1.0" encoding="utf-8"?>
+<p:sld xmlns:a="http://schemas.openxmlformats.org/drawingml/2006/main" xmlns:r="http://schemas.openxmlformats.org/officeDocument/2006/relationships" xmlns:mc="http://schemas.openxmlformats.org/markup-compatibility/2006" xmlns:mv="urn:schemas-microsoft-com:mac:vml" xmlns:p="http://schemas.openxmlformats.org/presentationml/2006/main" xmlns:c="http://schemas.openxmlformats.org/drawingml/2006/chart" xmlns:dgm="http://schemas.openxmlformats.org/drawingml/2006/diagram" xmlns:o="urn:schemas-microsoft-com:office:office" xmlns:v="urn:schemas-microsoft-com:vml" xmlns:pvml="urn:schemas-microsoft-com:office:powerpoint" xmlns:com="http://schemas.openxmlformats.org/drawingml/2006/compatibility" xmlns:p14="http://schemas.microsoft.com/office/powerpoint/2010/main" xmlns:p15="http://schemas.microsoft.com/office/powerpoint/2012/main" xmlns:ahyp="http://schemas.microsoft.com/office/drawing/2018/hyperlinkcolor">
+  <p:cSld>
+    <p:spTree>
+      <p:nvGrpSpPr>
+        <p:cNvPr id="128" name="Shape 128"/>
+        <p:cNvGrpSpPr/>
+        <p:nvPr/>
+      </p:nvGrpSpPr>
+      <p:grpSpPr>
+        <a:xfrm>
+          <a:off x="0" y="0"/>
+          <a:ext cx="0" cy="0"/>
+          <a:chOff x="0" y="0"/>
+          <a:chExt cx="0" cy="0"/>
+        </a:xfrm>
+      </p:grpSpPr>
+      <p:sp>
+        <p:nvSpPr>
+          <p:cNvPr id="129" name="Google Shape;129;p19"/>
+          <p:cNvSpPr txBox="1"/>
+          <p:nvPr>
+            <p:ph type="title"/>
+          </p:nvPr>
+        </p:nvSpPr>
+        <p:spPr>
+          <a:xfrm>
+            <a:off x="729450" y="1318650"/>
+            <a:ext cx="7688700" cy="535200"/>
+          </a:xfrm>
+          <a:prstGeom prst="rect">
+            <a:avLst/>
+          </a:prstGeom>
+        </p:spPr>
+        <p:txBody>
+          <a:bodyPr anchorCtr="0" anchor="t" bIns="91425" lIns="91425" spcFirstLastPara="1" rIns="91425" wrap="square" tIns="91425">
+            <a:normAutofit fontScale="90000"/>
+          </a:bodyPr>
+          <a:lstStyle/>
+          <a:p>
+            <a:pPr indent="0" lvl="0" marL="0" rtl="0" algn="l">
+              <a:spcBef>
+                <a:spcPts val="0"/>
+              </a:spcBef>
+              <a:spcAft>
+                <a:spcPts val="0"/>
+              </a:spcAft>
+              <a:buNone/>
+            </a:pPr>
+            <a:r>
+              <a:rPr lang="en-GB">
+                <a:solidFill>
+                  <a:schemeClr val="dk1"/>
+                </a:solidFill>
+              </a:rPr>
+              <a:t>Baseline Performance</a:t>
+            </a:r>
+            <a:endParaRPr>
+              <a:solidFill>
+                <a:schemeClr val="dk1"/>
+              </a:solidFill>
+            </a:endParaRPr>
+          </a:p>
+        </p:txBody>
+      </p:sp>
+      <p:sp>
+        <p:nvSpPr>
+          <p:cNvPr id="130" name="Google Shape;130;p19"/>
           <p:cNvSpPr txBox="1"/>
           <p:nvPr>
             <p:ph idx="1" type="body"/>
@@ -9161,7 +11123,7 @@
       </p:sp>
       <p:pic>
         <p:nvPicPr>
-          <p:cNvPr id="107" name="Google Shape;107;p16"/>
+          <p:cNvPr id="131" name="Google Shape;131;p19"/>
           <p:cNvPicPr preferRelativeResize="0"/>
           <p:nvPr/>
         </p:nvPicPr>
@@ -9195,12 +11157,12 @@
 </p:sld>
 </file>
 
-<file path=ppt/slides/slide5.xml><?xml version="1.0" encoding="utf-8"?>
+<file path=ppt/slides/slide8.xml><?xml version="1.0" encoding="utf-8"?>
 <p:sld xmlns:a="http://schemas.openxmlformats.org/drawingml/2006/main" xmlns:r="http://schemas.openxmlformats.org/officeDocument/2006/relationships" xmlns:mc="http://schemas.openxmlformats.org/markup-compatibility/2006" xmlns:mv="urn:schemas-microsoft-com:mac:vml" xmlns:p="http://schemas.openxmlformats.org/presentationml/2006/main" xmlns:c="http://schemas.openxmlformats.org/drawingml/2006/chart" xmlns:dgm="http://schemas.openxmlformats.org/drawingml/2006/diagram" xmlns:o="urn:schemas-microsoft-com:office:office" xmlns:v="urn:schemas-microsoft-com:vml" xmlns:pvml="urn:schemas-microsoft-com:office:powerpoint" xmlns:com="http://schemas.openxmlformats.org/drawingml/2006/compatibility" xmlns:p14="http://schemas.microsoft.com/office/powerpoint/2010/main" xmlns:p15="http://schemas.microsoft.com/office/powerpoint/2012/main" xmlns:ahyp="http://schemas.microsoft.com/office/drawing/2018/hyperlinkcolor">
   <p:cSld>
     <p:spTree>
       <p:nvGrpSpPr>
-        <p:cNvPr id="111" name="Shape 111"/>
+        <p:cNvPr id="135" name="Shape 135"/>
         <p:cNvGrpSpPr/>
         <p:nvPr/>
       </p:nvGrpSpPr>
@@ -9214,7 +11176,7 @@
       </p:grpSpPr>
       <p:sp>
         <p:nvSpPr>
-          <p:cNvPr id="112" name="Google Shape;112;p17"/>
+          <p:cNvPr id="136" name="Google Shape;136;p20"/>
           <p:cNvSpPr txBox="1"/>
           <p:nvPr>
             <p:ph type="title"/>
@@ -9231,7 +11193,7 @@
         </p:spPr>
         <p:txBody>
           <a:bodyPr anchorCtr="0" anchor="t" bIns="91425" lIns="91425" spcFirstLastPara="1" rIns="91425" wrap="square" tIns="91425">
-            <a:normAutofit fontScale="90000"/>
+            <a:noAutofit/>
           </a:bodyPr>
           <a:lstStyle/>
           <a:p>
@@ -9245,538 +11207,24 @@
               <a:buNone/>
             </a:pPr>
             <a:r>
-              <a:rPr lang="en-GB"/>
-              <a:t>Fine-Tuning Process</a:t>
+              <a:rPr lang="en-GB" sz="1400">
+                <a:solidFill>
+                  <a:schemeClr val="dk1"/>
+                </a:solidFill>
+              </a:rPr>
+              <a:t>Post-Fine-Tuning Performance</a:t>
             </a:r>
-            <a:endParaRPr/>
+            <a:endParaRPr sz="1400">
+              <a:solidFill>
+                <a:schemeClr val="dk1"/>
+              </a:solidFill>
+            </a:endParaRPr>
           </a:p>
         </p:txBody>
       </p:sp>
       <p:sp>
         <p:nvSpPr>
-          <p:cNvPr id="113" name="Google Shape;113;p17"/>
-          <p:cNvSpPr txBox="1"/>
-          <p:nvPr>
-            <p:ph idx="1" type="body"/>
-          </p:nvPr>
-        </p:nvSpPr>
-        <p:spPr>
-          <a:xfrm>
-            <a:off x="729450" y="2078875"/>
-            <a:ext cx="7688700" cy="2261100"/>
-          </a:xfrm>
-          <a:prstGeom prst="rect">
-            <a:avLst/>
-          </a:prstGeom>
-        </p:spPr>
-        <p:txBody>
-          <a:bodyPr anchorCtr="0" anchor="t" bIns="91425" lIns="91425" spcFirstLastPara="1" rIns="91425" wrap="square" tIns="91425">
-            <a:normAutofit lnSpcReduction="20000"/>
-          </a:bodyPr>
-          <a:lstStyle/>
-          <a:p>
-            <a:pPr indent="-298450" lvl="0" marL="457200" rtl="0" algn="l">
-              <a:spcBef>
-                <a:spcPts val="1200"/>
-              </a:spcBef>
-              <a:spcAft>
-                <a:spcPts val="0"/>
-              </a:spcAft>
-              <a:buClr>
-                <a:srgbClr val="000000"/>
-              </a:buClr>
-              <a:buSzPts val="1100"/>
-              <a:buFont typeface="Raleway"/>
-              <a:buChar char="●"/>
-            </a:pPr>
-            <a:r>
-              <a:rPr lang="en-GB" sz="1100">
-                <a:solidFill>
-                  <a:srgbClr val="000000"/>
-                </a:solidFill>
-                <a:latin typeface="Raleway"/>
-                <a:ea typeface="Raleway"/>
-                <a:cs typeface="Raleway"/>
-                <a:sym typeface="Raleway"/>
-              </a:rPr>
-              <a:t>Training parameters:</a:t>
-            </a:r>
-            <a:endParaRPr sz="1100">
-              <a:solidFill>
-                <a:srgbClr val="000000"/>
-              </a:solidFill>
-              <a:latin typeface="Raleway"/>
-              <a:ea typeface="Raleway"/>
-              <a:cs typeface="Raleway"/>
-              <a:sym typeface="Raleway"/>
-            </a:endParaRPr>
-          </a:p>
-          <a:p>
-            <a:pPr indent="-298450" lvl="1" marL="914400" rtl="0" algn="l">
-              <a:spcBef>
-                <a:spcPts val="0"/>
-              </a:spcBef>
-              <a:spcAft>
-                <a:spcPts val="0"/>
-              </a:spcAft>
-              <a:buClr>
-                <a:srgbClr val="000000"/>
-              </a:buClr>
-              <a:buSzPts val="1100"/>
-              <a:buFont typeface="Raleway"/>
-              <a:buChar char="○"/>
-            </a:pPr>
-            <a:r>
-              <a:rPr lang="en-GB">
-                <a:solidFill>
-                  <a:srgbClr val="000000"/>
-                </a:solidFill>
-                <a:latin typeface="Raleway"/>
-                <a:ea typeface="Raleway"/>
-                <a:cs typeface="Raleway"/>
-                <a:sym typeface="Raleway"/>
-              </a:rPr>
-              <a:t>Epochs: 3</a:t>
-            </a:r>
-            <a:endParaRPr>
-              <a:solidFill>
-                <a:srgbClr val="000000"/>
-              </a:solidFill>
-              <a:latin typeface="Raleway"/>
-              <a:ea typeface="Raleway"/>
-              <a:cs typeface="Raleway"/>
-              <a:sym typeface="Raleway"/>
-            </a:endParaRPr>
-          </a:p>
-          <a:p>
-            <a:pPr indent="-298450" lvl="1" marL="914400" rtl="0" algn="l">
-              <a:spcBef>
-                <a:spcPts val="0"/>
-              </a:spcBef>
-              <a:spcAft>
-                <a:spcPts val="0"/>
-              </a:spcAft>
-              <a:buClr>
-                <a:srgbClr val="000000"/>
-              </a:buClr>
-              <a:buSzPts val="1100"/>
-              <a:buFont typeface="Raleway"/>
-              <a:buChar char="○"/>
-            </a:pPr>
-            <a:r>
-              <a:rPr lang="en-GB">
-                <a:solidFill>
-                  <a:srgbClr val="000000"/>
-                </a:solidFill>
-                <a:latin typeface="Raleway"/>
-                <a:ea typeface="Raleway"/>
-                <a:cs typeface="Raleway"/>
-                <a:sym typeface="Raleway"/>
-              </a:rPr>
-              <a:t>Batch Size: 2</a:t>
-            </a:r>
-            <a:endParaRPr>
-              <a:solidFill>
-                <a:srgbClr val="000000"/>
-              </a:solidFill>
-              <a:latin typeface="Raleway"/>
-              <a:ea typeface="Raleway"/>
-              <a:cs typeface="Raleway"/>
-              <a:sym typeface="Raleway"/>
-            </a:endParaRPr>
-          </a:p>
-          <a:p>
-            <a:pPr indent="-298450" lvl="1" marL="914400" rtl="0" algn="l">
-              <a:spcBef>
-                <a:spcPts val="0"/>
-              </a:spcBef>
-              <a:spcAft>
-                <a:spcPts val="0"/>
-              </a:spcAft>
-              <a:buClr>
-                <a:srgbClr val="000000"/>
-              </a:buClr>
-              <a:buSzPts val="1100"/>
-              <a:buFont typeface="Raleway"/>
-              <a:buChar char="○"/>
-            </a:pPr>
-            <a:r>
-              <a:rPr lang="en-GB">
-                <a:solidFill>
-                  <a:srgbClr val="000000"/>
-                </a:solidFill>
-                <a:latin typeface="Raleway"/>
-                <a:ea typeface="Raleway"/>
-                <a:cs typeface="Raleway"/>
-                <a:sym typeface="Raleway"/>
-              </a:rPr>
-              <a:t>Learning Rate: 2e-4</a:t>
-            </a:r>
-            <a:endParaRPr>
-              <a:solidFill>
-                <a:srgbClr val="000000"/>
-              </a:solidFill>
-              <a:latin typeface="Raleway"/>
-              <a:ea typeface="Raleway"/>
-              <a:cs typeface="Raleway"/>
-              <a:sym typeface="Raleway"/>
-            </a:endParaRPr>
-          </a:p>
-          <a:p>
-            <a:pPr indent="-298450" lvl="1" marL="914400" rtl="0" algn="l">
-              <a:spcBef>
-                <a:spcPts val="0"/>
-              </a:spcBef>
-              <a:spcAft>
-                <a:spcPts val="0"/>
-              </a:spcAft>
-              <a:buClr>
-                <a:srgbClr val="000000"/>
-              </a:buClr>
-              <a:buSzPts val="1100"/>
-              <a:buFont typeface="Raleway"/>
-              <a:buChar char="○"/>
-            </a:pPr>
-            <a:r>
-              <a:rPr lang="en-GB">
-                <a:solidFill>
-                  <a:srgbClr val="000000"/>
-                </a:solidFill>
-                <a:latin typeface="Raleway"/>
-                <a:ea typeface="Raleway"/>
-                <a:cs typeface="Raleway"/>
-                <a:sym typeface="Raleway"/>
-              </a:rPr>
-              <a:t>Max Sequence Length: 512</a:t>
-            </a:r>
-            <a:endParaRPr>
-              <a:solidFill>
-                <a:srgbClr val="000000"/>
-              </a:solidFill>
-              <a:latin typeface="Raleway"/>
-              <a:ea typeface="Raleway"/>
-              <a:cs typeface="Raleway"/>
-              <a:sym typeface="Raleway"/>
-            </a:endParaRPr>
-          </a:p>
-          <a:p>
-            <a:pPr indent="-298450" lvl="0" marL="457200" rtl="0" algn="l">
-              <a:spcBef>
-                <a:spcPts val="0"/>
-              </a:spcBef>
-              <a:spcAft>
-                <a:spcPts val="0"/>
-              </a:spcAft>
-              <a:buClr>
-                <a:srgbClr val="000000"/>
-              </a:buClr>
-              <a:buSzPts val="1100"/>
-              <a:buFont typeface="Arial"/>
-              <a:buChar char="●"/>
-            </a:pPr>
-            <a:r>
-              <a:rPr lang="en-GB" sz="1100">
-                <a:solidFill>
-                  <a:srgbClr val="000000"/>
-                </a:solidFill>
-                <a:latin typeface="Raleway"/>
-                <a:ea typeface="Raleway"/>
-                <a:cs typeface="Raleway"/>
-                <a:sym typeface="Raleway"/>
-              </a:rPr>
-              <a:t>Trainer: SFTTrainer (Transformers RL)</a:t>
-            </a:r>
-            <a:endParaRPr sz="1100">
-              <a:solidFill>
-                <a:srgbClr val="000000"/>
-              </a:solidFill>
-              <a:latin typeface="Raleway"/>
-              <a:ea typeface="Raleway"/>
-              <a:cs typeface="Raleway"/>
-              <a:sym typeface="Raleway"/>
-            </a:endParaRPr>
-          </a:p>
-          <a:p>
-            <a:pPr indent="-298450" lvl="0" marL="457200" rtl="0" algn="l">
-              <a:spcBef>
-                <a:spcPts val="0"/>
-              </a:spcBef>
-              <a:spcAft>
-                <a:spcPts val="0"/>
-              </a:spcAft>
-              <a:buClr>
-                <a:srgbClr val="000000"/>
-              </a:buClr>
-              <a:buSzPts val="1100"/>
-              <a:buFont typeface="Raleway"/>
-              <a:buChar char="●"/>
-            </a:pPr>
-            <a:r>
-              <a:rPr lang="en-GB" sz="1100">
-                <a:solidFill>
-                  <a:srgbClr val="000000"/>
-                </a:solidFill>
-                <a:latin typeface="Raleway"/>
-                <a:ea typeface="Raleway"/>
-                <a:cs typeface="Raleway"/>
-                <a:sym typeface="Raleway"/>
-              </a:rPr>
-              <a:t>LoRA applied for lightweight tuning</a:t>
-            </a:r>
-            <a:endParaRPr sz="1100">
-              <a:solidFill>
-                <a:srgbClr val="000000"/>
-              </a:solidFill>
-              <a:latin typeface="Raleway"/>
-              <a:ea typeface="Raleway"/>
-              <a:cs typeface="Raleway"/>
-              <a:sym typeface="Raleway"/>
-            </a:endParaRPr>
-          </a:p>
-          <a:p>
-            <a:pPr indent="-298450" lvl="0" marL="457200" rtl="0" algn="l">
-              <a:spcBef>
-                <a:spcPts val="0"/>
-              </a:spcBef>
-              <a:spcAft>
-                <a:spcPts val="0"/>
-              </a:spcAft>
-              <a:buClr>
-                <a:srgbClr val="000000"/>
-              </a:buClr>
-              <a:buSzPts val="1100"/>
-              <a:buFont typeface="Raleway"/>
-              <a:buChar char="●"/>
-            </a:pPr>
-            <a:r>
-              <a:rPr lang="en-GB" sz="1100">
-                <a:solidFill>
-                  <a:srgbClr val="000000"/>
-                </a:solidFill>
-                <a:latin typeface="Raleway"/>
-                <a:ea typeface="Raleway"/>
-                <a:cs typeface="Raleway"/>
-                <a:sym typeface="Raleway"/>
-              </a:rPr>
-              <a:t>Dataset tokenized and batched</a:t>
-            </a:r>
-            <a:endParaRPr sz="1100">
-              <a:solidFill>
-                <a:srgbClr val="000000"/>
-              </a:solidFill>
-              <a:latin typeface="Raleway"/>
-              <a:ea typeface="Raleway"/>
-              <a:cs typeface="Raleway"/>
-              <a:sym typeface="Raleway"/>
-            </a:endParaRPr>
-          </a:p>
-          <a:p>
-            <a:pPr indent="-298450" lvl="0" marL="457200" rtl="0" algn="l">
-              <a:spcBef>
-                <a:spcPts val="0"/>
-              </a:spcBef>
-              <a:spcAft>
-                <a:spcPts val="0"/>
-              </a:spcAft>
-              <a:buClr>
-                <a:srgbClr val="000000"/>
-              </a:buClr>
-              <a:buSzPts val="1100"/>
-              <a:buFont typeface="Raleway"/>
-              <a:buChar char="●"/>
-            </a:pPr>
-            <a:r>
-              <a:rPr lang="en-GB" sz="1100">
-                <a:solidFill>
-                  <a:srgbClr val="000000"/>
-                </a:solidFill>
-                <a:latin typeface="Raleway"/>
-                <a:ea typeface="Raleway"/>
-                <a:cs typeface="Raleway"/>
-                <a:sym typeface="Raleway"/>
-              </a:rPr>
-              <a:t>Gradual learning rate adjustments</a:t>
-            </a:r>
-            <a:endParaRPr sz="1100">
-              <a:solidFill>
-                <a:srgbClr val="000000"/>
-              </a:solidFill>
-              <a:latin typeface="Raleway"/>
-              <a:ea typeface="Raleway"/>
-              <a:cs typeface="Raleway"/>
-              <a:sym typeface="Raleway"/>
-            </a:endParaRPr>
-          </a:p>
-          <a:p>
-            <a:pPr indent="-298450" lvl="0" marL="457200" rtl="0" algn="l">
-              <a:spcBef>
-                <a:spcPts val="0"/>
-              </a:spcBef>
-              <a:spcAft>
-                <a:spcPts val="0"/>
-              </a:spcAft>
-              <a:buClr>
-                <a:srgbClr val="000000"/>
-              </a:buClr>
-              <a:buSzPts val="1100"/>
-              <a:buFont typeface="Raleway"/>
-              <a:buChar char="●"/>
-            </a:pPr>
-            <a:r>
-              <a:rPr lang="en-GB" sz="1100">
-                <a:solidFill>
-                  <a:srgbClr val="000000"/>
-                </a:solidFill>
-                <a:latin typeface="Raleway"/>
-                <a:ea typeface="Raleway"/>
-                <a:cs typeface="Raleway"/>
-                <a:sym typeface="Raleway"/>
-              </a:rPr>
-              <a:t>Model checkpoints saved every 200 steps</a:t>
-            </a:r>
-            <a:endParaRPr sz="1100">
-              <a:solidFill>
-                <a:srgbClr val="000000"/>
-              </a:solidFill>
-              <a:latin typeface="Raleway"/>
-              <a:ea typeface="Raleway"/>
-              <a:cs typeface="Raleway"/>
-              <a:sym typeface="Raleway"/>
-            </a:endParaRPr>
-          </a:p>
-          <a:p>
-            <a:pPr indent="0" lvl="0" marL="0" rtl="0" algn="l">
-              <a:spcBef>
-                <a:spcPts val="1200"/>
-              </a:spcBef>
-              <a:spcAft>
-                <a:spcPts val="1200"/>
-              </a:spcAft>
-              <a:buNone/>
-            </a:pPr>
-            <a:r>
-              <a:t/>
-            </a:r>
-            <a:endParaRPr>
-              <a:latin typeface="Raleway"/>
-              <a:ea typeface="Raleway"/>
-              <a:cs typeface="Raleway"/>
-              <a:sym typeface="Raleway"/>
-            </a:endParaRPr>
-          </a:p>
-        </p:txBody>
-      </p:sp>
-      <p:pic>
-        <p:nvPicPr>
-          <p:cNvPr id="114" name="Google Shape;114;p17"/>
-          <p:cNvPicPr preferRelativeResize="0"/>
-          <p:nvPr/>
-        </p:nvPicPr>
-        <p:blipFill>
-          <a:blip r:embed="rId3">
-            <a:alphaModFix/>
-          </a:blip>
-          <a:stretch>
-            <a:fillRect/>
-          </a:stretch>
-        </p:blipFill>
-        <p:spPr>
-          <a:xfrm>
-            <a:off x="4709100" y="1717225"/>
-            <a:ext cx="3995901" cy="1817150"/>
-          </a:xfrm>
-          <a:prstGeom prst="rect">
-            <a:avLst/>
-          </a:prstGeom>
-          <a:noFill/>
-          <a:ln>
-            <a:noFill/>
-          </a:ln>
-        </p:spPr>
-      </p:pic>
-    </p:spTree>
-  </p:cSld>
-  <p:clrMapOvr>
-    <a:masterClrMapping/>
-  </p:clrMapOvr>
-</p:sld>
-</file>
-
-<file path=ppt/slides/slide6.xml><?xml version="1.0" encoding="utf-8"?>
-<p:sld xmlns:a="http://schemas.openxmlformats.org/drawingml/2006/main" xmlns:r="http://schemas.openxmlformats.org/officeDocument/2006/relationships" xmlns:mc="http://schemas.openxmlformats.org/markup-compatibility/2006" xmlns:mv="urn:schemas-microsoft-com:mac:vml" xmlns:p="http://schemas.openxmlformats.org/presentationml/2006/main" xmlns:c="http://schemas.openxmlformats.org/drawingml/2006/chart" xmlns:dgm="http://schemas.openxmlformats.org/drawingml/2006/diagram" xmlns:o="urn:schemas-microsoft-com:office:office" xmlns:v="urn:schemas-microsoft-com:vml" xmlns:pvml="urn:schemas-microsoft-com:office:powerpoint" xmlns:com="http://schemas.openxmlformats.org/drawingml/2006/compatibility" xmlns:p14="http://schemas.microsoft.com/office/powerpoint/2010/main" xmlns:p15="http://schemas.microsoft.com/office/powerpoint/2012/main" xmlns:ahyp="http://schemas.microsoft.com/office/drawing/2018/hyperlinkcolor">
-  <p:cSld>
-    <p:spTree>
-      <p:nvGrpSpPr>
-        <p:cNvPr id="118" name="Shape 118"/>
-        <p:cNvGrpSpPr/>
-        <p:nvPr/>
-      </p:nvGrpSpPr>
-      <p:grpSpPr>
-        <a:xfrm>
-          <a:off x="0" y="0"/>
-          <a:ext cx="0" cy="0"/>
-          <a:chOff x="0" y="0"/>
-          <a:chExt cx="0" cy="0"/>
-        </a:xfrm>
-      </p:grpSpPr>
-      <p:sp>
-        <p:nvSpPr>
-          <p:cNvPr id="119" name="Google Shape;119;p18"/>
-          <p:cNvSpPr txBox="1"/>
-          <p:nvPr>
-            <p:ph type="title"/>
-          </p:nvPr>
-        </p:nvSpPr>
-        <p:spPr>
-          <a:xfrm>
-            <a:off x="729450" y="1318650"/>
-            <a:ext cx="7688700" cy="535200"/>
-          </a:xfrm>
-          <a:prstGeom prst="rect">
-            <a:avLst/>
-          </a:prstGeom>
-        </p:spPr>
-        <p:txBody>
-          <a:bodyPr anchorCtr="0" anchor="t" bIns="91425" lIns="91425" spcFirstLastPara="1" rIns="91425" wrap="square" tIns="91425">
-            <a:normAutofit fontScale="90000"/>
-          </a:bodyPr>
-          <a:lstStyle/>
-          <a:p>
-            <a:pPr indent="0" lvl="0" marL="0" rtl="0" algn="l">
-              <a:spcBef>
-                <a:spcPts val="0"/>
-              </a:spcBef>
-              <a:spcAft>
-                <a:spcPts val="0"/>
-              </a:spcAft>
-              <a:buNone/>
-            </a:pPr>
-            <a:r>
-              <a:rPr lang="en-GB" sz="1100"/>
-              <a:t>Post-Fine-Tuning Performance</a:t>
-            </a:r>
-            <a:endParaRPr/>
-          </a:p>
-          <a:p>
-            <a:pPr indent="0" lvl="0" marL="0" rtl="0" algn="l">
-              <a:spcBef>
-                <a:spcPts val="0"/>
-              </a:spcBef>
-              <a:spcAft>
-                <a:spcPts val="0"/>
-              </a:spcAft>
-              <a:buNone/>
-            </a:pPr>
-            <a:r>
-              <a:t/>
-            </a:r>
-            <a:endParaRPr/>
-          </a:p>
-        </p:txBody>
-      </p:sp>
-      <p:sp>
-        <p:nvSpPr>
-          <p:cNvPr id="120" name="Google Shape;120;p18"/>
+          <p:cNvPr id="137" name="Google Shape;137;p20"/>
           <p:cNvSpPr txBox="1"/>
           <p:nvPr>
             <p:ph idx="1" type="body"/>
@@ -9827,13 +11275,17 @@
               <a:rPr lang="en-GB"/>
               <a:t>Meta Llama output: provided similar output to test results</a:t>
             </a:r>
-            <a:endParaRPr/>
+            <a:endParaRPr>
+              <a:solidFill>
+                <a:srgbClr val="188038"/>
+              </a:solidFill>
+            </a:endParaRPr>
           </a:p>
         </p:txBody>
       </p:sp>
       <p:pic>
         <p:nvPicPr>
-          <p:cNvPr id="121" name="Google Shape;121;p18"/>
+          <p:cNvPr id="138" name="Google Shape;138;p20"/>
           <p:cNvPicPr preferRelativeResize="0"/>
           <p:nvPr/>
         </p:nvPicPr>
@@ -9867,12 +11319,12 @@
 </p:sld>
 </file>
 
-<file path=ppt/slides/slide7.xml><?xml version="1.0" encoding="utf-8"?>
+<file path=ppt/slides/slide9.xml><?xml version="1.0" encoding="utf-8"?>
 <p:sld xmlns:a="http://schemas.openxmlformats.org/drawingml/2006/main" xmlns:r="http://schemas.openxmlformats.org/officeDocument/2006/relationships" xmlns:mc="http://schemas.openxmlformats.org/markup-compatibility/2006" xmlns:mv="urn:schemas-microsoft-com:mac:vml" xmlns:p="http://schemas.openxmlformats.org/presentationml/2006/main" xmlns:c="http://schemas.openxmlformats.org/drawingml/2006/chart" xmlns:dgm="http://schemas.openxmlformats.org/drawingml/2006/diagram" xmlns:o="urn:schemas-microsoft-com:office:office" xmlns:v="urn:schemas-microsoft-com:vml" xmlns:pvml="urn:schemas-microsoft-com:office:powerpoint" xmlns:com="http://schemas.openxmlformats.org/drawingml/2006/compatibility" xmlns:p14="http://schemas.microsoft.com/office/powerpoint/2010/main" xmlns:p15="http://schemas.microsoft.com/office/powerpoint/2012/main" xmlns:ahyp="http://schemas.microsoft.com/office/drawing/2018/hyperlinkcolor">
   <p:cSld>
     <p:spTree>
       <p:nvGrpSpPr>
-        <p:cNvPr id="125" name="Shape 125"/>
+        <p:cNvPr id="142" name="Shape 142"/>
         <p:cNvGrpSpPr/>
         <p:nvPr/>
       </p:nvGrpSpPr>
@@ -9886,7 +11338,7 @@
       </p:grpSpPr>
       <p:sp>
         <p:nvSpPr>
-          <p:cNvPr id="126" name="Google Shape;126;p19"/>
+          <p:cNvPr id="143" name="Google Shape;143;p21"/>
           <p:cNvSpPr txBox="1"/>
           <p:nvPr>
             <p:ph type="title"/>
@@ -9917,16 +11369,24 @@
               <a:buNone/>
             </a:pPr>
             <a:r>
-              <a:rPr b="1" lang="en-GB" sz="1100"/>
+              <a:rPr b="1" lang="en-GB" sz="1500">
+                <a:solidFill>
+                  <a:schemeClr val="dk1"/>
+                </a:solidFill>
+              </a:rPr>
               <a:t>Post-Fine-Tuning Performance</a:t>
             </a:r>
-            <a:endParaRPr/>
+            <a:endParaRPr sz="1500">
+              <a:solidFill>
+                <a:schemeClr val="dk1"/>
+              </a:solidFill>
+            </a:endParaRPr>
           </a:p>
         </p:txBody>
       </p:sp>
       <p:sp>
         <p:nvSpPr>
-          <p:cNvPr id="127" name="Google Shape;127;p19"/>
+          <p:cNvPr id="144" name="Google Shape;144;p21"/>
           <p:cNvSpPr txBox="1"/>
           <p:nvPr>
             <p:ph idx="1" type="body"/>
@@ -9947,30 +11407,9 @@
           </a:bodyPr>
           <a:lstStyle/>
           <a:p>
-            <a:pPr indent="-311150" lvl="0" marL="457200" rtl="0" algn="l">
-              <a:spcBef>
-                <a:spcPts val="0"/>
-              </a:spcBef>
-              <a:spcAft>
-                <a:spcPts val="0"/>
-              </a:spcAft>
-              <a:buSzPts val="1300"/>
-              <a:buChar char="●"/>
-            </a:pPr>
-            <a:r>
-              <a:rPr lang="en-GB"/>
-              <a:t>Deepseek provided more </a:t>
-            </a:r>
-            <a:r>
-              <a:rPr lang="en-GB" sz="1400"/>
-              <a:t>optimized query and explanation</a:t>
-            </a:r>
-            <a:endParaRPr/>
-          </a:p>
-          <a:p>
-            <a:pPr indent="0" lvl="0" marL="457200" rtl="0" algn="l">
-              <a:spcBef>
-                <a:spcPts val="1200"/>
+            <a:pPr indent="0" lvl="0" marL="0" rtl="0" algn="l">
+              <a:spcBef>
+                <a:spcPts val="0"/>
               </a:spcBef>
               <a:spcAft>
                 <a:spcPts val="1200"/>
@@ -9980,6 +11419,10 @@
             <a:r>
               <a:rPr lang="en-GB" sz="1400"/>
               <a:t>Deepseek Output: </a:t>
+            </a:r>
+            <a:r>
+              <a:rPr lang="en-GB"/>
+              <a:t>provided optimized query</a:t>
             </a:r>
             <a:endParaRPr sz="1400"/>
           </a:p>
@@ -9987,7 +11430,7 @@
       </p:sp>
       <p:pic>
         <p:nvPicPr>
-          <p:cNvPr id="128" name="Google Shape;128;p19"/>
+          <p:cNvPr id="145" name="Google Shape;145;p21"/>
           <p:cNvPicPr preferRelativeResize="0"/>
           <p:nvPr/>
         </p:nvPicPr>
@@ -10001,328 +11444,8 @@
         </p:blipFill>
         <p:spPr>
           <a:xfrm>
-            <a:off x="1092125" y="2491526"/>
+            <a:off x="1007100" y="2270476"/>
             <a:ext cx="6860001" cy="2401676"/>
-          </a:xfrm>
-          <a:prstGeom prst="rect">
-            <a:avLst/>
-          </a:prstGeom>
-          <a:noFill/>
-          <a:ln>
-            <a:noFill/>
-          </a:ln>
-        </p:spPr>
-      </p:pic>
-    </p:spTree>
-  </p:cSld>
-  <p:clrMapOvr>
-    <a:masterClrMapping/>
-  </p:clrMapOvr>
-</p:sld>
-</file>
-
-<file path=ppt/slides/slide8.xml><?xml version="1.0" encoding="utf-8"?>
-<p:sld xmlns:a="http://schemas.openxmlformats.org/drawingml/2006/main" xmlns:r="http://schemas.openxmlformats.org/officeDocument/2006/relationships" xmlns:mc="http://schemas.openxmlformats.org/markup-compatibility/2006" xmlns:mv="urn:schemas-microsoft-com:mac:vml" xmlns:p="http://schemas.openxmlformats.org/presentationml/2006/main" xmlns:c="http://schemas.openxmlformats.org/drawingml/2006/chart" xmlns:dgm="http://schemas.openxmlformats.org/drawingml/2006/diagram" xmlns:o="urn:schemas-microsoft-com:office:office" xmlns:v="urn:schemas-microsoft-com:vml" xmlns:pvml="urn:schemas-microsoft-com:office:powerpoint" xmlns:com="http://schemas.openxmlformats.org/drawingml/2006/compatibility" xmlns:p14="http://schemas.microsoft.com/office/powerpoint/2010/main" xmlns:p15="http://schemas.microsoft.com/office/powerpoint/2012/main" xmlns:ahyp="http://schemas.microsoft.com/office/drawing/2018/hyperlinkcolor">
-  <p:cSld>
-    <p:spTree>
-      <p:nvGrpSpPr>
-        <p:cNvPr id="132" name="Shape 132"/>
-        <p:cNvGrpSpPr/>
-        <p:nvPr/>
-      </p:nvGrpSpPr>
-      <p:grpSpPr>
-        <a:xfrm>
-          <a:off x="0" y="0"/>
-          <a:ext cx="0" cy="0"/>
-          <a:chOff x="0" y="0"/>
-          <a:chExt cx="0" cy="0"/>
-        </a:xfrm>
-      </p:grpSpPr>
-      <p:sp>
-        <p:nvSpPr>
-          <p:cNvPr id="133" name="Google Shape;133;p20"/>
-          <p:cNvSpPr txBox="1"/>
-          <p:nvPr>
-            <p:ph type="title"/>
-          </p:nvPr>
-        </p:nvSpPr>
-        <p:spPr>
-          <a:xfrm>
-            <a:off x="729450" y="1318650"/>
-            <a:ext cx="7688700" cy="535200"/>
-          </a:xfrm>
-          <a:prstGeom prst="rect">
-            <a:avLst/>
-          </a:prstGeom>
-        </p:spPr>
-        <p:txBody>
-          <a:bodyPr anchorCtr="0" anchor="t" bIns="91425" lIns="91425" spcFirstLastPara="1" rIns="91425" wrap="square" tIns="91425">
-            <a:normAutofit fontScale="90000"/>
-          </a:bodyPr>
-          <a:lstStyle/>
-          <a:p>
-            <a:pPr indent="0" lvl="0" marL="0" rtl="0" algn="l">
-              <a:lnSpc>
-                <a:spcPct val="115000"/>
-              </a:lnSpc>
-              <a:spcBef>
-                <a:spcPts val="1200"/>
-              </a:spcBef>
-              <a:spcAft>
-                <a:spcPts val="0"/>
-              </a:spcAft>
-              <a:buNone/>
-            </a:pPr>
-            <a:r>
-              <a:rPr lang="en-GB" sz="1100">
-                <a:solidFill>
-                  <a:srgbClr val="000000"/>
-                </a:solidFill>
-                <a:latin typeface="Arial"/>
-                <a:ea typeface="Arial"/>
-                <a:cs typeface="Arial"/>
-                <a:sym typeface="Arial"/>
-              </a:rPr>
-              <a:t>Results (DeepSeek vs. LLaMA Post-Fine-Tuning)</a:t>
-            </a:r>
-            <a:endParaRPr sz="1100">
-              <a:solidFill>
-                <a:srgbClr val="000000"/>
-              </a:solidFill>
-              <a:latin typeface="Arial"/>
-              <a:ea typeface="Arial"/>
-              <a:cs typeface="Arial"/>
-              <a:sym typeface="Arial"/>
-            </a:endParaRPr>
-          </a:p>
-          <a:p>
-            <a:pPr indent="0" lvl="0" marL="0" rtl="0" algn="l">
-              <a:spcBef>
-                <a:spcPts val="1200"/>
-              </a:spcBef>
-              <a:spcAft>
-                <a:spcPts val="0"/>
-              </a:spcAft>
-              <a:buNone/>
-            </a:pPr>
-            <a:r>
-              <a:t/>
-            </a:r>
-            <a:endParaRPr sz="1100"/>
-          </a:p>
-        </p:txBody>
-      </p:sp>
-      <p:sp>
-        <p:nvSpPr>
-          <p:cNvPr id="134" name="Google Shape;134;p20"/>
-          <p:cNvSpPr txBox="1"/>
-          <p:nvPr>
-            <p:ph idx="1" type="body"/>
-          </p:nvPr>
-        </p:nvSpPr>
-        <p:spPr>
-          <a:xfrm>
-            <a:off x="729450" y="2078875"/>
-            <a:ext cx="7688700" cy="2261100"/>
-          </a:xfrm>
-          <a:prstGeom prst="rect">
-            <a:avLst/>
-          </a:prstGeom>
-        </p:spPr>
-        <p:txBody>
-          <a:bodyPr anchorCtr="0" anchor="t" bIns="91425" lIns="91425" spcFirstLastPara="1" rIns="91425" wrap="square" tIns="91425">
-            <a:normAutofit/>
-          </a:bodyPr>
-          <a:lstStyle/>
-          <a:p>
-            <a:pPr indent="0" lvl="0" marL="0" rtl="0" algn="l">
-              <a:spcBef>
-                <a:spcPts val="0"/>
-              </a:spcBef>
-              <a:spcAft>
-                <a:spcPts val="0"/>
-              </a:spcAft>
-              <a:buNone/>
-            </a:pPr>
-            <a:r>
-              <a:rPr b="1" lang="en-GB"/>
-              <a:t>Common Query: </a:t>
-            </a:r>
-            <a:r>
-              <a:rPr lang="en-GB"/>
-              <a:t>Which habitats have seen a decrease in preservation efforts from 2017 to 2018?</a:t>
-            </a:r>
-            <a:endParaRPr/>
-          </a:p>
-          <a:p>
-            <a:pPr indent="0" lvl="0" marL="0" rtl="0" algn="l">
-              <a:spcBef>
-                <a:spcPts val="1200"/>
-              </a:spcBef>
-              <a:spcAft>
-                <a:spcPts val="0"/>
-              </a:spcAft>
-              <a:buNone/>
-            </a:pPr>
-            <a:r>
-              <a:rPr b="1" lang="en-GB"/>
-              <a:t>LLama Response:</a:t>
-            </a:r>
-            <a:r>
-              <a:rPr lang="en-GB"/>
-              <a:t> </a:t>
-            </a:r>
-            <a:r>
-              <a:rPr lang="en-GB" sz="1000"/>
-              <a:t>SELECT Habitat, Year, Efforts FROM PreservationTrends WHERE Efforts &lt; (SELECT SUM(Efforts) FROM PreservationTrends WHERE Year = 2018);</a:t>
-            </a:r>
-            <a:endParaRPr sz="1000"/>
-          </a:p>
-          <a:p>
-            <a:pPr indent="0" lvl="0" marL="0" rtl="0" algn="l">
-              <a:spcBef>
-                <a:spcPts val="1200"/>
-              </a:spcBef>
-              <a:spcAft>
-                <a:spcPts val="1200"/>
-              </a:spcAft>
-              <a:buNone/>
-            </a:pPr>
-            <a:r>
-              <a:rPr b="1" lang="en-GB"/>
-              <a:t>DeepSeek Response: </a:t>
-            </a:r>
-            <a:r>
-              <a:rPr lang="en-GB" sz="1000"/>
-              <a:t>SELECT Habitat FROM PreservationTrends WHERE Year = 2017 AND Efforts &lt; (SELECT SUM(Efforts) FROM PreservationTrends WHERE Year = 2018 AND Habitat = Habitat);</a:t>
-            </a:r>
-            <a:endParaRPr sz="1000"/>
-          </a:p>
-        </p:txBody>
-      </p:sp>
-    </p:spTree>
-  </p:cSld>
-  <p:clrMapOvr>
-    <a:masterClrMapping/>
-  </p:clrMapOvr>
-</p:sld>
-</file>
-
-<file path=ppt/slides/slide9.xml><?xml version="1.0" encoding="utf-8"?>
-<p:sld xmlns:a="http://schemas.openxmlformats.org/drawingml/2006/main" xmlns:r="http://schemas.openxmlformats.org/officeDocument/2006/relationships" xmlns:mc="http://schemas.openxmlformats.org/markup-compatibility/2006" xmlns:mv="urn:schemas-microsoft-com:mac:vml" xmlns:p="http://schemas.openxmlformats.org/presentationml/2006/main" xmlns:c="http://schemas.openxmlformats.org/drawingml/2006/chart" xmlns:dgm="http://schemas.openxmlformats.org/drawingml/2006/diagram" xmlns:o="urn:schemas-microsoft-com:office:office" xmlns:v="urn:schemas-microsoft-com:vml" xmlns:pvml="urn:schemas-microsoft-com:office:powerpoint" xmlns:com="http://schemas.openxmlformats.org/drawingml/2006/compatibility" xmlns:p14="http://schemas.microsoft.com/office/powerpoint/2010/main" xmlns:p15="http://schemas.microsoft.com/office/powerpoint/2012/main" xmlns:ahyp="http://schemas.microsoft.com/office/drawing/2018/hyperlinkcolor">
-  <p:cSld>
-    <p:spTree>
-      <p:nvGrpSpPr>
-        <p:cNvPr id="138" name="Shape 138"/>
-        <p:cNvGrpSpPr/>
-        <p:nvPr/>
-      </p:nvGrpSpPr>
-      <p:grpSpPr>
-        <a:xfrm>
-          <a:off x="0" y="0"/>
-          <a:ext cx="0" cy="0"/>
-          <a:chOff x="0" y="0"/>
-          <a:chExt cx="0" cy="0"/>
-        </a:xfrm>
-      </p:grpSpPr>
-      <p:sp>
-        <p:nvSpPr>
-          <p:cNvPr id="139" name="Google Shape;139;p21"/>
-          <p:cNvSpPr txBox="1"/>
-          <p:nvPr>
-            <p:ph type="title"/>
-          </p:nvPr>
-        </p:nvSpPr>
-        <p:spPr>
-          <a:xfrm>
-            <a:off x="729450" y="1318650"/>
-            <a:ext cx="7688700" cy="535200"/>
-          </a:xfrm>
-          <a:prstGeom prst="rect">
-            <a:avLst/>
-          </a:prstGeom>
-        </p:spPr>
-        <p:txBody>
-          <a:bodyPr anchorCtr="0" anchor="t" bIns="91425" lIns="91425" spcFirstLastPara="1" rIns="91425" wrap="square" tIns="91425">
-            <a:normAutofit fontScale="90000"/>
-          </a:bodyPr>
-          <a:lstStyle/>
-          <a:p>
-            <a:pPr indent="0" lvl="0" marL="0" rtl="0" algn="l">
-              <a:spcBef>
-                <a:spcPts val="0"/>
-              </a:spcBef>
-              <a:spcAft>
-                <a:spcPts val="0"/>
-              </a:spcAft>
-              <a:buNone/>
-            </a:pPr>
-            <a:r>
-              <a:rPr lang="en-GB"/>
-              <a:t>Observations</a:t>
-            </a:r>
-            <a:endParaRPr/>
-          </a:p>
-        </p:txBody>
-      </p:sp>
-      <p:sp>
-        <p:nvSpPr>
-          <p:cNvPr id="140" name="Google Shape;140;p21"/>
-          <p:cNvSpPr txBox="1"/>
-          <p:nvPr>
-            <p:ph idx="1" type="body"/>
-          </p:nvPr>
-        </p:nvSpPr>
-        <p:spPr>
-          <a:xfrm>
-            <a:off x="729450" y="2078875"/>
-            <a:ext cx="7688700" cy="2261100"/>
-          </a:xfrm>
-          <a:prstGeom prst="rect">
-            <a:avLst/>
-          </a:prstGeom>
-        </p:spPr>
-        <p:txBody>
-          <a:bodyPr anchorCtr="0" anchor="t" bIns="91425" lIns="91425" spcFirstLastPara="1" rIns="91425" wrap="square" tIns="91425">
-            <a:normAutofit/>
-          </a:bodyPr>
-          <a:lstStyle/>
-          <a:p>
-            <a:pPr indent="0" lvl="0" marL="0" rtl="0" algn="l">
-              <a:spcBef>
-                <a:spcPts val="0"/>
-              </a:spcBef>
-              <a:spcAft>
-                <a:spcPts val="1200"/>
-              </a:spcAft>
-              <a:buNone/>
-            </a:pPr>
-            <a:r>
-              <a:rPr lang="en-GB"/>
-              <a:t>Deepseek provides an optimized and efficient queries involving multiple tables outside of its domain</a:t>
-            </a:r>
-            <a:endParaRPr/>
-          </a:p>
-        </p:txBody>
-      </p:sp>
-      <p:pic>
-        <p:nvPicPr>
-          <p:cNvPr id="141" name="Google Shape;141;p21" title="Screenshot 2025-03-12 at 12.55.12 PM.png"/>
-          <p:cNvPicPr preferRelativeResize="0"/>
-          <p:nvPr/>
-        </p:nvPicPr>
-        <p:blipFill>
-          <a:blip r:embed="rId3">
-            <a:alphaModFix/>
-          </a:blip>
-          <a:stretch>
-            <a:fillRect/>
-          </a:stretch>
-        </p:blipFill>
-        <p:spPr>
-          <a:xfrm>
-            <a:off x="1070775" y="2462525"/>
-            <a:ext cx="5867551" cy="2277675"/>
           </a:xfrm>
           <a:prstGeom prst="rect">
             <a:avLst/>
